--- a/Advanced Level - Back-end/Databases/Presentation/2.3. Introduction-to-Oracle.pptx
+++ b/Advanced Level - Back-end/Databases/Presentation/2.3. Introduction-to-Oracle.pptx
@@ -5,10 +5,10 @@
     <p:sldMasterId id="2147483660" r:id="rId2"/>
   </p:sldMasterIdLst>
   <p:notesMasterIdLst>
-    <p:notesMasterId r:id="rId17"/>
+    <p:notesMasterId r:id="rId26"/>
   </p:notesMasterIdLst>
   <p:handoutMasterIdLst>
-    <p:handoutMasterId r:id="rId18"/>
+    <p:handoutMasterId r:id="rId27"/>
   </p:handoutMasterIdLst>
   <p:sldIdLst>
     <p:sldId id="274" r:id="rId3"/>
@@ -17,14 +17,23 @@
     <p:sldId id="460" r:id="rId6"/>
     <p:sldId id="461" r:id="rId7"/>
     <p:sldId id="463" r:id="rId8"/>
-    <p:sldId id="464" r:id="rId9"/>
-    <p:sldId id="462" r:id="rId10"/>
-    <p:sldId id="465" r:id="rId11"/>
-    <p:sldId id="466" r:id="rId12"/>
-    <p:sldId id="457" r:id="rId13"/>
-    <p:sldId id="424" r:id="rId14"/>
-    <p:sldId id="419" r:id="rId15"/>
-    <p:sldId id="420" r:id="rId16"/>
+    <p:sldId id="469" r:id="rId9"/>
+    <p:sldId id="471" r:id="rId10"/>
+    <p:sldId id="464" r:id="rId11"/>
+    <p:sldId id="468" r:id="rId12"/>
+    <p:sldId id="462" r:id="rId13"/>
+    <p:sldId id="467" r:id="rId14"/>
+    <p:sldId id="465" r:id="rId15"/>
+    <p:sldId id="472" r:id="rId16"/>
+    <p:sldId id="473" r:id="rId17"/>
+    <p:sldId id="466" r:id="rId18"/>
+    <p:sldId id="470" r:id="rId19"/>
+    <p:sldId id="474" r:id="rId20"/>
+    <p:sldId id="475" r:id="rId21"/>
+    <p:sldId id="457" r:id="rId22"/>
+    <p:sldId id="424" r:id="rId23"/>
+    <p:sldId id="419" r:id="rId24"/>
+    <p:sldId id="420" r:id="rId25"/>
   </p:sldIdLst>
   <p:sldSz cx="12188825" cy="6858000"/>
   <p:notesSz cx="6858000" cy="9144000"/>
@@ -245,7 +254,7 @@
             <a:fld id="{FE5B4EDC-59C0-49C7-8ADA-5A781B329E02}" type="datetimeFigureOut">
               <a:rPr lang="en-US"/>
               <a:pPr/>
-              <a:t>04-02-2015</a:t>
+              <a:t>18-Jun-2015</a:t>
             </a:fld>
             <a:endParaRPr dirty="0"/>
           </a:p>
@@ -444,7 +453,7 @@
             <a:fld id="{F2D8D46A-B586-417D-BFBD-8C8FE0AAF762}" type="datetimeFigureOut">
               <a:rPr lang="en-US" smtClean="0"/>
               <a:pPr/>
-              <a:t>04-02-2015</a:t>
+              <a:t>18-Jun-2015</a:t>
             </a:fld>
             <a:endParaRPr lang="en-US"/>
           </a:p>
@@ -1056,7 +1065,7 @@
             <a:fld id="{3EBA5BD7-F043-4D1B-AA17-CD412FC534DE}" type="slidenum">
               <a:rPr lang="en-US" smtClean="0"/>
               <a:pPr/>
-              <a:t>12</a:t>
+              <a:t>21</a:t>
             </a:fld>
             <a:endParaRPr lang="en-US" dirty="0"/>
           </a:p>
@@ -1191,7 +1200,7 @@
             <a:fld id="{3EBA5BD7-F043-4D1B-AA17-CD412FC534DE}" type="slidenum">
               <a:rPr lang="en-US" smtClean="0"/>
               <a:pPr/>
-              <a:t>13</a:t>
+              <a:t>22</a:t>
             </a:fld>
             <a:endParaRPr lang="en-US" dirty="0"/>
           </a:p>
@@ -1326,7 +1335,7 @@
             <a:fld id="{3EBA5BD7-F043-4D1B-AA17-CD412FC534DE}" type="slidenum">
               <a:rPr lang="en-US" smtClean="0"/>
               <a:pPr/>
-              <a:t>14</a:t>
+              <a:t>23</a:t>
             </a:fld>
             <a:endParaRPr lang="en-US" dirty="0"/>
           </a:p>
@@ -1955,7 +1964,7 @@
             <a:fld id="{055373AC-9AA7-423B-BA00-BA1C74164DBD}" type="datetime1">
               <a:rPr lang="en-US" smtClean="0"/>
               <a:pPr/>
-              <a:t>04-02-2015</a:t>
+              <a:t>18-Jun-2015</a:t>
             </a:fld>
             <a:endParaRPr lang="en-US" dirty="0"/>
           </a:p>
@@ -3408,7 +3417,7 @@
             <a:fld id="{055373AC-9AA7-423B-BA00-BA1C74164DBD}" type="datetime1">
               <a:rPr lang="en-US" smtClean="0"/>
               <a:pPr/>
-              <a:t>04-02-2015</a:t>
+              <a:t>18-Jun-2015</a:t>
             </a:fld>
             <a:endParaRPr lang="en-US" dirty="0"/>
           </a:p>
@@ -4011,11 +4020,7 @@
           <a:p>
             <a:r>
               <a:rPr lang="en-US" dirty="0" smtClean="0"/>
-              <a:t>Introduction to </a:t>
-            </a:r>
-            <a:r>
-              <a:rPr lang="en-US" dirty="0" smtClean="0"/>
-              <a:t>Oracle</a:t>
+              <a:t>Introduction to Oracle</a:t>
             </a:r>
             <a:endParaRPr lang="en-US" dirty="0"/>
           </a:p>
@@ -4047,22 +4052,13 @@
               <a:rPr lang="en-US" dirty="0" smtClean="0"/>
               <a:t>Oracle Database XE, APEX</a:t>
             </a:r>
-            <a:r>
-              <a:rPr lang="en-US" dirty="0" smtClean="0"/>
-              <a:t/>
-            </a:r>
             <a:br>
               <a:rPr lang="en-US" dirty="0" smtClean="0"/>
             </a:br>
             <a:r>
               <a:rPr lang="en-US" dirty="0" smtClean="0"/>
-              <a:t>and </a:t>
-            </a:r>
-            <a:r>
-              <a:rPr lang="en-US" dirty="0" smtClean="0"/>
-              <a:t>Oracle SQL Developer</a:t>
-            </a:r>
-            <a:endParaRPr lang="en-US" dirty="0" smtClean="0"/>
+              <a:t>and Oracle SQL Developer</a:t>
+            </a:r>
           </a:p>
         </p:txBody>
       </p:sp>
@@ -4256,8 +4252,8 @@
         </p:blipFill>
         <p:spPr bwMode="auto">
           <a:xfrm>
-            <a:off x="4799012" y="4199446"/>
-            <a:ext cx="1867556" cy="1867556"/>
+            <a:off x="5638207" y="4786086"/>
+            <a:ext cx="1525075" cy="1525075"/>
           </a:xfrm>
           <a:prstGeom prst="rect">
             <a:avLst/>
@@ -4366,6 +4362,109 @@
           </a:extLst>
         </p:spPr>
       </p:pic>
+      <p:pic>
+        <p:nvPicPr>
+          <p:cNvPr id="13" name="Picture 12"/>
+          <p:cNvPicPr>
+            <a:picLocks noChangeAspect="1"/>
+          </p:cNvPicPr>
+          <p:nvPr/>
+        </p:nvPicPr>
+        <p:blipFill>
+          <a:blip r:embed="rId10">
+            <a:extLst>
+              <a:ext uri="{28A0092B-C50C-407E-A947-70E740481C1C}">
+                <a14:useLocalDpi xmlns:a14="http://schemas.microsoft.com/office/drawing/2010/main" val="0"/>
+              </a:ext>
+            </a:extLst>
+          </a:blip>
+          <a:stretch>
+            <a:fillRect/>
+          </a:stretch>
+        </p:blipFill>
+        <p:spPr>
+          <a:xfrm flipH="1">
+            <a:off x="3503612" y="3894865"/>
+            <a:ext cx="2133598" cy="2341486"/>
+          </a:xfrm>
+          <a:prstGeom prst="rect">
+            <a:avLst/>
+          </a:prstGeom>
+        </p:spPr>
+      </p:pic>
+      <p:sp>
+        <p:nvSpPr>
+          <p:cNvPr id="15" name="TextBox 14"/>
+          <p:cNvSpPr txBox="1"/>
+          <p:nvPr/>
+        </p:nvSpPr>
+        <p:spPr>
+          <a:xfrm rot="576164">
+            <a:off x="5144905" y="4002920"/>
+            <a:ext cx="1045159" cy="409023"/>
+          </a:xfrm>
+          <a:prstGeom prst="rect">
+            <a:avLst/>
+          </a:prstGeom>
+          <a:noFill/>
+        </p:spPr>
+        <p:txBody>
+          <a:bodyPr wrap="none" rtlCol="0">
+            <a:spAutoFit/>
+          </a:bodyPr>
+          <a:lstStyle/>
+          <a:p>
+            <a:pPr algn="ctr">
+              <a:lnSpc>
+                <a:spcPct val="85000"/>
+              </a:lnSpc>
+            </a:pPr>
+            <a:r>
+              <a:rPr lang="en-US" b="1" spc="50" dirty="0" smtClean="0">
+                <a:ln w="9525" cmpd="sng">
+                  <a:solidFill>
+                    <a:schemeClr val="accent1"/>
+                  </a:solidFill>
+                  <a:prstDash val="solid"/>
+                </a:ln>
+                <a:solidFill>
+                  <a:srgbClr val="70AD47">
+                    <a:tint val="1000"/>
+                  </a:srgbClr>
+                </a:solidFill>
+                <a:effectLst>
+                  <a:glow rad="38100">
+                    <a:schemeClr val="accent1">
+                      <a:alpha val="40000"/>
+                    </a:schemeClr>
+                  </a:glow>
+                </a:effectLst>
+              </a:rPr>
+              <a:t>Oracle</a:t>
+            </a:r>
+            <a:endParaRPr lang="en-US" b="1" spc="50" dirty="0">
+              <a:ln w="9525" cmpd="sng">
+                <a:solidFill>
+                  <a:schemeClr val="accent1"/>
+                </a:solidFill>
+                <a:prstDash val="solid"/>
+              </a:ln>
+              <a:solidFill>
+                <a:srgbClr val="70AD47">
+                  <a:tint val="1000"/>
+                </a:srgbClr>
+              </a:solidFill>
+              <a:effectLst>
+                <a:glow rad="38100">
+                  <a:schemeClr val="accent1">
+                    <a:alpha val="40000"/>
+                  </a:schemeClr>
+                </a:glow>
+              </a:effectLst>
+            </a:endParaRPr>
+          </a:p>
+        </p:txBody>
+      </p:sp>
     </p:spTree>
     <p:extLst>
       <p:ext uri="{BB962C8B-B14F-4D97-AF65-F5344CB8AC3E}">
@@ -4448,34 +4547,13 @@
         <p:spPr/>
         <p:txBody>
           <a:bodyPr>
-            <a:normAutofit lnSpcReduction="10000"/>
+            <a:normAutofit/>
           </a:bodyPr>
           <a:lstStyle/>
           <a:p>
             <a:r>
               <a:rPr lang="en-US" dirty="0" smtClean="0"/>
-              <a:t>Oracle database has some specifics</a:t>
-            </a:r>
-          </a:p>
-          <a:p>
-            <a:pPr lvl="1"/>
-            <a:r>
-              <a:rPr lang="en-US" dirty="0" smtClean="0"/>
-              <a:t>One database, many users</a:t>
-            </a:r>
-          </a:p>
-          <a:p>
-            <a:pPr lvl="2"/>
-            <a:r>
-              <a:rPr lang="en-US" dirty="0" smtClean="0"/>
-              <a:t>Each user has its own schema (tables and other DB objects)</a:t>
-            </a:r>
-          </a:p>
-          <a:p>
-            <a:pPr lvl="1"/>
-            <a:r>
-              <a:rPr lang="en-US" dirty="0" smtClean="0"/>
-              <a:t>Use </a:t>
+              <a:t>User </a:t>
             </a:r>
             <a:r>
               <a:rPr lang="en-US" b="1" dirty="0" smtClean="0">
@@ -4487,18 +4565,14 @@
                 <a:latin typeface="Consolas" panose="020B0609020204030204" pitchFamily="49" charset="0"/>
                 <a:cs typeface="Consolas" panose="020B0609020204030204" pitchFamily="49" charset="0"/>
               </a:rPr>
-              <a:t>UPEPRCASE</a:t>
-            </a:r>
-            <a:r>
-              <a:rPr lang="en-US" dirty="0" smtClean="0"/>
-              <a:t> for all identifiers</a:t>
-            </a:r>
-          </a:p>
-          <a:p>
-            <a:pPr lvl="2"/>
-            <a:r>
-              <a:rPr lang="en-US" dirty="0" smtClean="0"/>
-              <a:t>Otherwise you should use the quoted syntax, e.g. </a:t>
+              <a:t>SYS</a:t>
+            </a:r>
+          </a:p>
+          <a:p>
+            <a:pPr lvl="1"/>
+            <a:r>
+              <a:rPr lang="en-US" dirty="0" smtClean="0"/>
+              <a:t>Holds the system schema </a:t>
             </a:r>
             <a:r>
               <a:rPr lang="en-US" b="1" dirty="0" smtClean="0">
@@ -4510,35 +4584,18 @@
                 <a:latin typeface="Consolas" panose="020B0609020204030204" pitchFamily="49" charset="0"/>
                 <a:cs typeface="Consolas" panose="020B0609020204030204" pitchFamily="49" charset="0"/>
               </a:rPr>
-              <a:t>"My Table"</a:t>
+              <a:t>SYS</a:t>
+            </a:r>
+            <a:r>
+              <a:rPr lang="en-US" dirty="0" smtClean="0"/>
+              <a:t> and data dictionary (DB metadata)</a:t>
             </a:r>
           </a:p>
           <a:p>
             <a:pPr lvl="1"/>
             <a:r>
               <a:rPr lang="en-US" dirty="0" smtClean="0"/>
-              <a:t>No auto-increment columns</a:t>
-            </a:r>
-          </a:p>
-          <a:p>
-            <a:pPr lvl="2"/>
-            <a:r>
-              <a:rPr lang="en-US" dirty="0" smtClean="0"/>
-              <a:t>Use a </a:t>
-            </a:r>
-            <a:r>
-              <a:rPr lang="en-US" dirty="0" smtClean="0">
-                <a:hlinkClick r:id="rId2"/>
-              </a:rPr>
-              <a:t>SEQUENCE + TRIGGER for auto-increment</a:t>
-            </a:r>
-            <a:endParaRPr lang="en-US" dirty="0" smtClean="0"/>
-          </a:p>
-          <a:p>
-            <a:pPr lvl="1"/>
-            <a:r>
-              <a:rPr lang="en-US" dirty="0" smtClean="0"/>
-              <a:t>In Oracle </a:t>
+              <a:t>Has a </a:t>
             </a:r>
             <a:r>
               <a:rPr lang="en-US" b="1" dirty="0" smtClean="0">
@@ -4550,11 +4607,37 @@
                 <a:latin typeface="Consolas" panose="020B0609020204030204" pitchFamily="49" charset="0"/>
                 <a:cs typeface="Consolas" panose="020B0609020204030204" pitchFamily="49" charset="0"/>
               </a:rPr>
-              <a:t>NULL</a:t>
-            </a:r>
-            <a:r>
-              <a:rPr lang="en-US" dirty="0" smtClean="0"/>
-              <a:t> is the same like </a:t>
+              <a:t>DBA</a:t>
+            </a:r>
+            <a:r>
+              <a:rPr lang="en-US" dirty="0"/>
+              <a:t> </a:t>
+            </a:r>
+            <a:r>
+              <a:rPr lang="en-US" dirty="0" smtClean="0"/>
+              <a:t>role</a:t>
+            </a:r>
+          </a:p>
+          <a:p>
+            <a:pPr lvl="2"/>
+            <a:r>
+              <a:rPr lang="en-US" dirty="0" smtClean="0"/>
+              <a:t>Contains </a:t>
+            </a:r>
+            <a:r>
+              <a:rPr lang="en-US" dirty="0"/>
+              <a:t>most database system </a:t>
+            </a:r>
+            <a:r>
+              <a:rPr lang="en-US" dirty="0" smtClean="0"/>
+              <a:t>privileges, e.g. "create user"</a:t>
+            </a:r>
+          </a:p>
+          <a:p>
+            <a:pPr lvl="1"/>
+            <a:r>
+              <a:rPr lang="en-US" dirty="0" smtClean="0"/>
+              <a:t>Has a </a:t>
             </a:r>
             <a:r>
               <a:rPr lang="en-US" b="1" dirty="0" smtClean="0">
@@ -4566,18 +4649,84 @@
                 <a:latin typeface="Consolas" panose="020B0609020204030204" pitchFamily="49" charset="0"/>
                 <a:cs typeface="Consolas" panose="020B0609020204030204" pitchFamily="49" charset="0"/>
               </a:rPr>
-              <a:t>""</a:t>
-            </a:r>
-            <a:r>
-              <a:rPr lang="en-US" dirty="0" smtClean="0"/>
-              <a:t> (empty string)</a:t>
-            </a:r>
-          </a:p>
-          <a:p>
-            <a:pPr lvl="2"/>
-            <a:r>
-              <a:rPr lang="en-US" dirty="0" smtClean="0"/>
-              <a:t>This causes many problems!</a:t>
+              <a:t>SYSDBA</a:t>
+            </a:r>
+            <a:r>
+              <a:rPr lang="en-US" dirty="0" smtClean="0"/>
+              <a:t> privilege – can start / stop / create / recover DB</a:t>
+            </a:r>
+          </a:p>
+          <a:p>
+            <a:r>
+              <a:rPr lang="en-US" dirty="0" smtClean="0"/>
+              <a:t>User </a:t>
+            </a:r>
+            <a:r>
+              <a:rPr lang="en-US" b="1" dirty="0" smtClean="0">
+                <a:solidFill>
+                  <a:schemeClr val="tx2">
+                    <a:lumMod val="75000"/>
+                  </a:schemeClr>
+                </a:solidFill>
+                <a:latin typeface="Consolas" panose="020B0609020204030204" pitchFamily="49" charset="0"/>
+                <a:cs typeface="Consolas" panose="020B0609020204030204" pitchFamily="49" charset="0"/>
+              </a:rPr>
+              <a:t>SYSTEM</a:t>
+            </a:r>
+          </a:p>
+          <a:p>
+            <a:pPr lvl="1"/>
+            <a:r>
+              <a:rPr lang="en-US" dirty="0"/>
+              <a:t>Has a </a:t>
+            </a:r>
+            <a:r>
+              <a:rPr lang="en-US" b="1" dirty="0">
+                <a:solidFill>
+                  <a:schemeClr val="tx2">
+                    <a:lumMod val="75000"/>
+                  </a:schemeClr>
+                </a:solidFill>
+                <a:latin typeface="Consolas" panose="020B0609020204030204" pitchFamily="49" charset="0"/>
+                <a:cs typeface="Consolas" panose="020B0609020204030204" pitchFamily="49" charset="0"/>
+              </a:rPr>
+              <a:t>DBA</a:t>
+            </a:r>
+            <a:r>
+              <a:rPr lang="en-US" dirty="0"/>
+              <a:t> role – </a:t>
+            </a:r>
+            <a:r>
+              <a:rPr lang="en-US" dirty="0" smtClean="0"/>
+              <a:t>can administer the DB, e.g. create users</a:t>
+            </a:r>
+            <a:endParaRPr lang="en-US" dirty="0"/>
+          </a:p>
+          <a:p>
+            <a:pPr lvl="1"/>
+            <a:r>
+              <a:rPr lang="en-US" dirty="0" smtClean="0"/>
+              <a:t>No </a:t>
+            </a:r>
+            <a:r>
+              <a:rPr lang="en-US" b="1" dirty="0">
+                <a:solidFill>
+                  <a:schemeClr val="tx2">
+                    <a:lumMod val="75000"/>
+                  </a:schemeClr>
+                </a:solidFill>
+                <a:latin typeface="Consolas" panose="020B0609020204030204" pitchFamily="49" charset="0"/>
+                <a:cs typeface="Consolas" panose="020B0609020204030204" pitchFamily="49" charset="0"/>
+              </a:rPr>
+              <a:t>SYSDBA</a:t>
+            </a:r>
+            <a:r>
+              <a:rPr lang="en-US" dirty="0"/>
+              <a:t> </a:t>
+            </a:r>
+            <a:r>
+              <a:rPr lang="en-US" dirty="0" smtClean="0"/>
+              <a:t>privilege</a:t>
             </a:r>
             <a:endParaRPr lang="en-US" dirty="0"/>
           </a:p>
@@ -4600,7 +4749,7 @@
           <a:p>
             <a:r>
               <a:rPr lang="en-US" dirty="0" smtClean="0"/>
-              <a:t>Beware: Oracle has Specifics</a:t>
+              <a:t>Users SYS and SYSTEM in Oracle</a:t>
             </a:r>
             <a:endParaRPr lang="en-US" dirty="0"/>
           </a:p>
@@ -4609,7 +4758,7 @@
     </p:spTree>
     <p:extLst>
       <p:ext uri="{BB962C8B-B14F-4D97-AF65-F5344CB8AC3E}">
-        <p14:creationId xmlns:p14="http://schemas.microsoft.com/office/powerpoint/2010/main" val="2497219643"/>
+        <p14:creationId xmlns:p14="http://schemas.microsoft.com/office/powerpoint/2010/main" val="3727072304"/>
       </p:ext>
     </p:extLst>
   </p:cSld>
@@ -4624,6 +4773,13 @@
       <p:transition/>
     </mc:Fallback>
   </mc:AlternateContent>
+  <p:timing>
+    <p:tnLst>
+      <p:par>
+        <p:cTn id="1" dur="indefinite" restart="never" nodeType="tmRoot"/>
+      </p:par>
+    </p:tnLst>
+  </p:timing>
 </p:sld>
 </file>
 
@@ -4646,7 +4802,7 @@
       </p:grpSpPr>
       <p:sp>
         <p:nvSpPr>
-          <p:cNvPr id="6" name="Slide Number Placeholder 5"/>
+          <p:cNvPr id="2" name="Slide Number Placeholder 1"/>
           <p:cNvSpPr>
             <a:spLocks noGrp="1"/>
           </p:cNvSpPr>
@@ -4670,7 +4826,7 @@
       </p:sp>
       <p:sp>
         <p:nvSpPr>
-          <p:cNvPr id="5" name="Content Placeholder 4"/>
+          <p:cNvPr id="3" name="Content Placeholder 2"/>
           <p:cNvSpPr>
             <a:spLocks noGrp="1"/>
           </p:cNvSpPr>
@@ -4678,94 +4834,2651 @@
             <p:ph idx="1"/>
           </p:nvPr>
         </p:nvSpPr>
+        <p:spPr/>
+        <p:txBody>
+          <a:bodyPr/>
+          <a:lstStyle/>
+          <a:p>
+            <a:r>
+              <a:rPr lang="en-US" dirty="0" smtClean="0"/>
+              <a:t>Oracle provides </a:t>
+            </a:r>
+            <a:r>
+              <a:rPr lang="en-US" dirty="0" smtClean="0">
+                <a:solidFill>
+                  <a:schemeClr val="tx2">
+                    <a:lumMod val="75000"/>
+                  </a:schemeClr>
+                </a:solidFill>
+              </a:rPr>
+              <a:t>single database </a:t>
+            </a:r>
+            <a:r>
+              <a:rPr lang="en-US" dirty="0" smtClean="0"/>
+              <a:t>with </a:t>
+            </a:r>
+            <a:r>
+              <a:rPr lang="en-US" dirty="0" smtClean="0">
+                <a:solidFill>
+                  <a:schemeClr val="tx2">
+                    <a:lumMod val="75000"/>
+                  </a:schemeClr>
+                </a:solidFill>
+              </a:rPr>
+              <a:t>multiple users</a:t>
+            </a:r>
+          </a:p>
+          <a:p>
+            <a:pPr lvl="1"/>
+            <a:r>
+              <a:rPr lang="en-US" dirty="0" smtClean="0"/>
+              <a:t>MS </a:t>
+            </a:r>
+            <a:r>
+              <a:rPr lang="en-US" dirty="0" smtClean="0"/>
+              <a:t>SQL Server and </a:t>
+            </a:r>
+            <a:r>
+              <a:rPr lang="en-US" dirty="0" smtClean="0"/>
+              <a:t>MySQL have </a:t>
+            </a:r>
+            <a:r>
+              <a:rPr lang="en-US" dirty="0" smtClean="0">
+                <a:solidFill>
+                  <a:schemeClr val="tx2">
+                    <a:lumMod val="75000"/>
+                  </a:schemeClr>
+                </a:solidFill>
+              </a:rPr>
+              <a:t>many databases</a:t>
+            </a:r>
+            <a:endParaRPr lang="en-US" dirty="0" smtClean="0">
+              <a:solidFill>
+                <a:schemeClr val="tx2">
+                  <a:lumMod val="75000"/>
+                </a:schemeClr>
+              </a:solidFill>
+            </a:endParaRPr>
+          </a:p>
+          <a:p>
+            <a:pPr lvl="1"/>
+            <a:r>
+              <a:rPr lang="en-US" dirty="0" smtClean="0"/>
+              <a:t>"User (</a:t>
+            </a:r>
+            <a:r>
+              <a:rPr lang="en-US" dirty="0" smtClean="0">
+                <a:solidFill>
+                  <a:schemeClr val="tx2">
+                    <a:lumMod val="75000"/>
+                  </a:schemeClr>
+                </a:solidFill>
+              </a:rPr>
+              <a:t>schema</a:t>
+            </a:r>
+            <a:r>
+              <a:rPr lang="en-US" dirty="0" smtClean="0"/>
+              <a:t>) in Oracle" == "</a:t>
+            </a:r>
+            <a:r>
+              <a:rPr lang="en-US" dirty="0" smtClean="0">
+                <a:solidFill>
+                  <a:schemeClr val="tx2">
+                    <a:lumMod val="75000"/>
+                  </a:schemeClr>
+                </a:solidFill>
+              </a:rPr>
+              <a:t>Database</a:t>
+            </a:r>
+            <a:r>
+              <a:rPr lang="en-US" dirty="0" smtClean="0"/>
+              <a:t>" in MSSQL and MySQL</a:t>
+            </a:r>
+          </a:p>
+          <a:p>
+            <a:r>
+              <a:rPr lang="en-US" dirty="0" smtClean="0"/>
+              <a:t>Creating a new user (schema) and give typical privileges:</a:t>
+            </a:r>
+          </a:p>
+          <a:p>
+            <a:endParaRPr lang="en-US" dirty="0"/>
+          </a:p>
+        </p:txBody>
+      </p:sp>
+      <p:sp>
+        <p:nvSpPr>
+          <p:cNvPr id="4" name="Title 3"/>
+          <p:cNvSpPr>
+            <a:spLocks noGrp="1"/>
+          </p:cNvSpPr>
+          <p:nvPr>
+            <p:ph type="title"/>
+          </p:nvPr>
+        </p:nvSpPr>
+        <p:spPr/>
+        <p:txBody>
+          <a:bodyPr/>
+          <a:lstStyle/>
+          <a:p>
+            <a:r>
+              <a:rPr lang="en-US" dirty="0" smtClean="0"/>
+              <a:t>Creating a New </a:t>
+            </a:r>
+            <a:r>
+              <a:rPr lang="en-US" dirty="0" smtClean="0"/>
+              <a:t>User in Oracle</a:t>
+            </a:r>
+            <a:endParaRPr lang="en-US" dirty="0"/>
+          </a:p>
+        </p:txBody>
+      </p:sp>
+      <p:sp>
+        <p:nvSpPr>
+          <p:cNvPr id="5" name="Rectangle 4"/>
+          <p:cNvSpPr>
+            <a:spLocks noChangeArrowheads="1"/>
+          </p:cNvSpPr>
+          <p:nvPr/>
+        </p:nvSpPr>
+        <p:spPr bwMode="auto">
+          <a:xfrm>
+            <a:off x="760412" y="3962400"/>
+            <a:ext cx="10668000" cy="2308324"/>
+          </a:xfrm>
+          <a:prstGeom prst="rect">
+            <a:avLst/>
+          </a:prstGeom>
+          <a:solidFill>
+            <a:schemeClr val="accent5">
+              <a:lumMod val="40000"/>
+              <a:lumOff val="60000"/>
+              <a:alpha val="25000"/>
+            </a:schemeClr>
+          </a:solidFill>
+          <a:ln w="12700">
+            <a:solidFill>
+              <a:schemeClr val="accent5">
+                <a:lumMod val="60000"/>
+                <a:lumOff val="40000"/>
+              </a:schemeClr>
+            </a:solidFill>
+          </a:ln>
+        </p:spPr>
+        <p:txBody>
+          <a:bodyPr wrap="square">
+            <a:spAutoFit/>
+          </a:bodyPr>
+          <a:lstStyle/>
+          <a:p>
+            <a:pPr eaLnBrk="0" hangingPunct="0">
+              <a:buClr>
+                <a:schemeClr val="accent5">
+                  <a:lumMod val="40000"/>
+                  <a:lumOff val="60000"/>
+                </a:schemeClr>
+              </a:buClr>
+              <a:buSzPct val="70000"/>
+            </a:pPr>
+            <a:r>
+              <a:rPr lang="en-US" b="1" spc="-30" noProof="1">
+                <a:solidFill>
+                  <a:schemeClr val="tx2"/>
+                </a:solidFill>
+                <a:effectLst>
+                  <a:outerShdw blurRad="38100" dist="38100" dir="2700000" algn="tl">
+                    <a:srgbClr val="000000">
+                      <a:alpha val="43137"/>
+                    </a:srgbClr>
+                  </a:outerShdw>
+                </a:effectLst>
+                <a:latin typeface="Consolas" pitchFamily="49" charset="0"/>
+                <a:cs typeface="Consolas" pitchFamily="49" charset="0"/>
+              </a:rPr>
+              <a:t>CREATE USER </a:t>
+            </a:r>
+            <a:r>
+              <a:rPr lang="en-US" b="1" spc="-30" noProof="1" smtClean="0">
+                <a:solidFill>
+                  <a:schemeClr val="tx2">
+                    <a:lumMod val="75000"/>
+                  </a:schemeClr>
+                </a:solidFill>
+                <a:effectLst>
+                  <a:outerShdw blurRad="38100" dist="38100" dir="2700000" algn="tl">
+                    <a:srgbClr val="000000">
+                      <a:alpha val="43137"/>
+                    </a:srgbClr>
+                  </a:outerShdw>
+                </a:effectLst>
+                <a:latin typeface="Consolas" pitchFamily="49" charset="0"/>
+                <a:cs typeface="Consolas" pitchFamily="49" charset="0"/>
+              </a:rPr>
+              <a:t>maria</a:t>
+            </a:r>
+            <a:r>
+              <a:rPr lang="en-US" b="1" spc="-30" noProof="1" smtClean="0">
+                <a:solidFill>
+                  <a:schemeClr val="tx2"/>
+                </a:solidFill>
+                <a:effectLst>
+                  <a:outerShdw blurRad="38100" dist="38100" dir="2700000" algn="tl">
+                    <a:srgbClr val="000000">
+                      <a:alpha val="43137"/>
+                    </a:srgbClr>
+                  </a:outerShdw>
+                </a:effectLst>
+                <a:latin typeface="Consolas" pitchFamily="49" charset="0"/>
+                <a:cs typeface="Consolas" pitchFamily="49" charset="0"/>
+              </a:rPr>
+              <a:t> </a:t>
+            </a:r>
+            <a:r>
+              <a:rPr lang="en-US" b="1" spc="-30" noProof="1">
+                <a:solidFill>
+                  <a:schemeClr val="tx2"/>
+                </a:solidFill>
+                <a:effectLst>
+                  <a:outerShdw blurRad="38100" dist="38100" dir="2700000" algn="tl">
+                    <a:srgbClr val="000000">
+                      <a:alpha val="43137"/>
+                    </a:srgbClr>
+                  </a:outerShdw>
+                </a:effectLst>
+                <a:latin typeface="Consolas" pitchFamily="49" charset="0"/>
+                <a:cs typeface="Consolas" pitchFamily="49" charset="0"/>
+              </a:rPr>
+              <a:t>IDENTIFIED BY "</a:t>
+            </a:r>
+            <a:r>
+              <a:rPr lang="en-US" b="1" spc="-30" noProof="1">
+                <a:solidFill>
+                  <a:schemeClr val="tx2">
+                    <a:lumMod val="75000"/>
+                  </a:schemeClr>
+                </a:solidFill>
+                <a:effectLst>
+                  <a:outerShdw blurRad="38100" dist="38100" dir="2700000" algn="tl">
+                    <a:srgbClr val="000000">
+                      <a:alpha val="43137"/>
+                    </a:srgbClr>
+                  </a:outerShdw>
+                </a:effectLst>
+                <a:latin typeface="Consolas" pitchFamily="49" charset="0"/>
+                <a:cs typeface="Consolas" pitchFamily="49" charset="0"/>
+              </a:rPr>
+              <a:t>p@ssw0rd123</a:t>
+            </a:r>
+            <a:r>
+              <a:rPr lang="en-US" b="1" spc="-30" noProof="1">
+                <a:solidFill>
+                  <a:schemeClr val="tx2"/>
+                </a:solidFill>
+                <a:effectLst>
+                  <a:outerShdw blurRad="38100" dist="38100" dir="2700000" algn="tl">
+                    <a:srgbClr val="000000">
+                      <a:alpha val="43137"/>
+                    </a:srgbClr>
+                  </a:outerShdw>
+                </a:effectLst>
+                <a:latin typeface="Consolas" pitchFamily="49" charset="0"/>
+                <a:cs typeface="Consolas" pitchFamily="49" charset="0"/>
+              </a:rPr>
+              <a:t>" DEFAULT TABLESPACE "USERS";</a:t>
+            </a:r>
+            <a:endParaRPr lang="en-US" b="1" spc="-30" noProof="1" smtClean="0">
+              <a:solidFill>
+                <a:schemeClr val="tx2"/>
+              </a:solidFill>
+              <a:effectLst>
+                <a:outerShdw blurRad="38100" dist="38100" dir="2700000" algn="tl">
+                  <a:srgbClr val="000000">
+                    <a:alpha val="43137"/>
+                  </a:srgbClr>
+                </a:outerShdw>
+              </a:effectLst>
+              <a:latin typeface="Consolas" pitchFamily="49" charset="0"/>
+              <a:cs typeface="Consolas" pitchFamily="49" charset="0"/>
+            </a:endParaRPr>
+          </a:p>
+          <a:p>
+            <a:pPr eaLnBrk="0" hangingPunct="0">
+              <a:buClr>
+                <a:schemeClr val="accent5">
+                  <a:lumMod val="40000"/>
+                  <a:lumOff val="60000"/>
+                </a:schemeClr>
+              </a:buClr>
+              <a:buSzPct val="70000"/>
+            </a:pPr>
+            <a:endParaRPr lang="en-US" b="1" spc="-30" noProof="1">
+              <a:solidFill>
+                <a:schemeClr val="tx2"/>
+              </a:solidFill>
+              <a:effectLst>
+                <a:outerShdw blurRad="38100" dist="38100" dir="2700000" algn="tl">
+                  <a:srgbClr val="000000">
+                    <a:alpha val="43137"/>
+                  </a:srgbClr>
+                </a:outerShdw>
+              </a:effectLst>
+              <a:latin typeface="Consolas" pitchFamily="49" charset="0"/>
+              <a:cs typeface="Consolas" pitchFamily="49" charset="0"/>
+            </a:endParaRPr>
+          </a:p>
+          <a:p>
+            <a:pPr eaLnBrk="0" hangingPunct="0">
+              <a:buClr>
+                <a:schemeClr val="accent5">
+                  <a:lumMod val="40000"/>
+                  <a:lumOff val="60000"/>
+                </a:schemeClr>
+              </a:buClr>
+              <a:buSzPct val="70000"/>
+            </a:pPr>
+            <a:r>
+              <a:rPr lang="en-US" b="1" spc="-30" noProof="1">
+                <a:solidFill>
+                  <a:schemeClr val="tx2"/>
+                </a:solidFill>
+                <a:effectLst>
+                  <a:outerShdw blurRad="38100" dist="38100" dir="2700000" algn="tl">
+                    <a:srgbClr val="000000">
+                      <a:alpha val="43137"/>
+                    </a:srgbClr>
+                  </a:outerShdw>
+                </a:effectLst>
+                <a:latin typeface="Consolas" pitchFamily="49" charset="0"/>
+                <a:cs typeface="Consolas" pitchFamily="49" charset="0"/>
+              </a:rPr>
+              <a:t>GRANT CREATE SESSION, CREATE TABLE, CREATE VIEW, CREATE PROCEDURE, CREATE SEQUENCE, CREATE TRIGGER, UNLIMITED TABLESPACE TO maria;</a:t>
+            </a:r>
+          </a:p>
+        </p:txBody>
+      </p:sp>
+    </p:spTree>
+    <p:extLst>
+      <p:ext uri="{BB962C8B-B14F-4D97-AF65-F5344CB8AC3E}">
+        <p14:creationId xmlns:p14="http://schemas.microsoft.com/office/powerpoint/2010/main" val="4076392978"/>
+      </p:ext>
+    </p:extLst>
+  </p:cSld>
+  <p:clrMapOvr>
+    <a:masterClrMapping/>
+  </p:clrMapOvr>
+  <mc:AlternateContent xmlns:mc="http://schemas.openxmlformats.org/markup-compatibility/2006" xmlns:p14="http://schemas.microsoft.com/office/powerpoint/2010/main">
+    <mc:Choice Requires="p14">
+      <p:transition p14:dur="0"/>
+    </mc:Choice>
+    <mc:Fallback xmlns="">
+      <p:transition/>
+    </mc:Fallback>
+  </mc:AlternateContent>
+</p:sld>
+</file>
+
+<file path=ppt/slides/slide12.xml><?xml version="1.0" encoding="utf-8"?>
+<p:sld xmlns:a="http://schemas.openxmlformats.org/drawingml/2006/main" xmlns:r="http://schemas.openxmlformats.org/officeDocument/2006/relationships" xmlns:p="http://schemas.openxmlformats.org/presentationml/2006/main">
+  <p:cSld>
+    <p:spTree>
+      <p:nvGrpSpPr>
+        <p:cNvPr id="1" name=""/>
+        <p:cNvGrpSpPr/>
+        <p:nvPr/>
+      </p:nvGrpSpPr>
+      <p:grpSpPr>
+        <a:xfrm>
+          <a:off x="0" y="0"/>
+          <a:ext cx="0" cy="0"/>
+          <a:chOff x="0" y="0"/>
+          <a:chExt cx="0" cy="0"/>
+        </a:xfrm>
+      </p:grpSpPr>
+      <p:sp>
+        <p:nvSpPr>
+          <p:cNvPr id="2" name="Slide Number Placeholder 1"/>
+          <p:cNvSpPr>
+            <a:spLocks noGrp="1"/>
+          </p:cNvSpPr>
+          <p:nvPr>
+            <p:ph type="sldNum" sz="quarter" idx="4"/>
+          </p:nvPr>
+        </p:nvSpPr>
+        <p:spPr/>
+        <p:txBody>
+          <a:bodyPr/>
+          <a:lstStyle/>
+          <a:p>
+            <a:fld id="{C014DD1E-5D91-48A3-AD6D-45FBA980D106}" type="slidenum">
+              <a:rPr lang="en-US" smtClean="0"/>
+              <a:pPr/>
+              <a:t>12</a:t>
+            </a:fld>
+            <a:endParaRPr lang="en-US" dirty="0"/>
+          </a:p>
+        </p:txBody>
+      </p:sp>
+      <p:sp>
+        <p:nvSpPr>
+          <p:cNvPr id="3" name="Content Placeholder 2"/>
+          <p:cNvSpPr>
+            <a:spLocks noGrp="1"/>
+          </p:cNvSpPr>
+          <p:nvPr>
+            <p:ph idx="1"/>
+          </p:nvPr>
+        </p:nvSpPr>
+        <p:spPr/>
+        <p:txBody>
+          <a:bodyPr/>
+          <a:lstStyle/>
+          <a:p>
+            <a:pPr>
+              <a:lnSpc>
+                <a:spcPct val="110000"/>
+              </a:lnSpc>
+            </a:pPr>
+            <a:r>
+              <a:rPr lang="en-US" dirty="0" smtClean="0"/>
+              <a:t>Users in Oracle may have certain </a:t>
+            </a:r>
+            <a:r>
+              <a:rPr lang="en-US" dirty="0" smtClean="0">
+                <a:solidFill>
+                  <a:schemeClr val="tx2">
+                    <a:lumMod val="75000"/>
+                  </a:schemeClr>
+                </a:solidFill>
+              </a:rPr>
+              <a:t>privileges</a:t>
+            </a:r>
+          </a:p>
+          <a:p>
+            <a:pPr lvl="1">
+              <a:lnSpc>
+                <a:spcPct val="110000"/>
+              </a:lnSpc>
+            </a:pPr>
+            <a:r>
+              <a:rPr lang="en-US" b="1" spc="-30" noProof="1" smtClean="0">
+                <a:solidFill>
+                  <a:schemeClr val="tx2">
+                    <a:lumMod val="75000"/>
+                  </a:schemeClr>
+                </a:solidFill>
+                <a:effectLst>
+                  <a:outerShdw blurRad="38100" dist="38100" dir="2700000" algn="tl">
+                    <a:srgbClr val="000000">
+                      <a:alpha val="43137"/>
+                    </a:srgbClr>
+                  </a:outerShdw>
+                </a:effectLst>
+                <a:latin typeface="Consolas" pitchFamily="49" charset="0"/>
+                <a:cs typeface="Consolas" pitchFamily="49" charset="0"/>
+              </a:rPr>
+              <a:t>CREATE</a:t>
+            </a:r>
+            <a:r>
+              <a:rPr lang="en-US" dirty="0">
+                <a:solidFill>
+                  <a:schemeClr val="tx2">
+                    <a:lumMod val="75000"/>
+                  </a:schemeClr>
+                </a:solidFill>
+              </a:rPr>
+              <a:t> </a:t>
+            </a:r>
+            <a:r>
+              <a:rPr lang="en-US" b="1" spc="-30" noProof="1" smtClean="0">
+                <a:solidFill>
+                  <a:schemeClr val="tx2">
+                    <a:lumMod val="75000"/>
+                  </a:schemeClr>
+                </a:solidFill>
+                <a:effectLst>
+                  <a:outerShdw blurRad="38100" dist="38100" dir="2700000" algn="tl">
+                    <a:srgbClr val="000000">
+                      <a:alpha val="43137"/>
+                    </a:srgbClr>
+                  </a:outerShdw>
+                </a:effectLst>
+                <a:latin typeface="Consolas" pitchFamily="49" charset="0"/>
+                <a:cs typeface="Consolas" pitchFamily="49" charset="0"/>
+              </a:rPr>
+              <a:t>SESSION</a:t>
+            </a:r>
+            <a:r>
+              <a:rPr lang="en-US" dirty="0" smtClean="0">
+                <a:solidFill>
+                  <a:schemeClr val="tx2">
+                    <a:lumMod val="75000"/>
+                  </a:schemeClr>
+                </a:solidFill>
+              </a:rPr>
+              <a:t> </a:t>
+            </a:r>
+            <a:r>
+              <a:rPr lang="en-US" dirty="0" smtClean="0"/>
+              <a:t>– allows the </a:t>
+            </a:r>
+            <a:r>
+              <a:rPr lang="en-US" dirty="0"/>
+              <a:t>users to connect to DB</a:t>
+            </a:r>
+            <a:endParaRPr lang="en-US" b="1" spc="-30" noProof="1" smtClean="0">
+              <a:solidFill>
+                <a:schemeClr val="tx2"/>
+              </a:solidFill>
+              <a:effectLst>
+                <a:outerShdw blurRad="38100" dist="38100" dir="2700000" algn="tl">
+                  <a:srgbClr val="000000">
+                    <a:alpha val="43137"/>
+                  </a:srgbClr>
+                </a:outerShdw>
+              </a:effectLst>
+              <a:latin typeface="Consolas" pitchFamily="49" charset="0"/>
+              <a:cs typeface="Consolas" pitchFamily="49" charset="0"/>
+            </a:endParaRPr>
+          </a:p>
+          <a:p>
+            <a:pPr lvl="1">
+              <a:lnSpc>
+                <a:spcPct val="110000"/>
+              </a:lnSpc>
+            </a:pPr>
+            <a:r>
+              <a:rPr lang="en-US" b="1" spc="-30" noProof="1" smtClean="0">
+                <a:solidFill>
+                  <a:schemeClr val="tx2">
+                    <a:lumMod val="75000"/>
+                  </a:schemeClr>
+                </a:solidFill>
+                <a:effectLst>
+                  <a:outerShdw blurRad="38100" dist="38100" dir="2700000" algn="tl">
+                    <a:srgbClr val="000000">
+                      <a:alpha val="43137"/>
+                    </a:srgbClr>
+                  </a:outerShdw>
+                </a:effectLst>
+                <a:latin typeface="Consolas" pitchFamily="49" charset="0"/>
+                <a:cs typeface="Consolas" pitchFamily="49" charset="0"/>
+              </a:rPr>
+              <a:t>CREATE</a:t>
+            </a:r>
+            <a:r>
+              <a:rPr lang="en-US" dirty="0">
+                <a:solidFill>
+                  <a:schemeClr val="tx2">
+                    <a:lumMod val="75000"/>
+                  </a:schemeClr>
+                </a:solidFill>
+              </a:rPr>
+              <a:t> </a:t>
+            </a:r>
+            <a:r>
+              <a:rPr lang="en-US" b="1" spc="-30" noProof="1" smtClean="0">
+                <a:solidFill>
+                  <a:schemeClr val="tx2">
+                    <a:lumMod val="75000"/>
+                  </a:schemeClr>
+                </a:solidFill>
+                <a:effectLst>
+                  <a:outerShdw blurRad="38100" dist="38100" dir="2700000" algn="tl">
+                    <a:srgbClr val="000000">
+                      <a:alpha val="43137"/>
+                    </a:srgbClr>
+                  </a:outerShdw>
+                </a:effectLst>
+                <a:latin typeface="Consolas" pitchFamily="49" charset="0"/>
+                <a:cs typeface="Consolas" pitchFamily="49" charset="0"/>
+              </a:rPr>
+              <a:t>TABLE</a:t>
+            </a:r>
+            <a:r>
+              <a:rPr lang="en-US" b="1" spc="-30" noProof="1" smtClean="0">
+                <a:solidFill>
+                  <a:schemeClr val="tx2">
+                    <a:lumMod val="75000"/>
+                  </a:schemeClr>
+                </a:solidFill>
+                <a:effectLst>
+                  <a:outerShdw blurRad="38100" dist="38100" dir="2700000" algn="tl">
+                    <a:srgbClr val="000000">
+                      <a:alpha val="43137"/>
+                    </a:srgbClr>
+                  </a:outerShdw>
+                </a:effectLst>
+                <a:cs typeface="Consolas" pitchFamily="49" charset="0"/>
+              </a:rPr>
+              <a:t> </a:t>
+            </a:r>
+            <a:r>
+              <a:rPr lang="en-US" b="1" spc="-30" noProof="1" smtClean="0">
+                <a:solidFill>
+                  <a:schemeClr val="tx2"/>
+                </a:solidFill>
+                <a:effectLst>
+                  <a:outerShdw blurRad="38100" dist="38100" dir="2700000" algn="tl">
+                    <a:srgbClr val="000000">
+                      <a:alpha val="43137"/>
+                    </a:srgbClr>
+                  </a:outerShdw>
+                </a:effectLst>
+                <a:cs typeface="Consolas" pitchFamily="49" charset="0"/>
+              </a:rPr>
+              <a:t>/ </a:t>
+            </a:r>
+            <a:r>
+              <a:rPr lang="en-US" b="1" spc="-30" noProof="1" smtClean="0">
+                <a:solidFill>
+                  <a:schemeClr val="tx2">
+                    <a:lumMod val="75000"/>
+                  </a:schemeClr>
+                </a:solidFill>
+                <a:effectLst>
+                  <a:outerShdw blurRad="38100" dist="38100" dir="2700000" algn="tl">
+                    <a:srgbClr val="000000">
+                      <a:alpha val="43137"/>
+                    </a:srgbClr>
+                  </a:outerShdw>
+                </a:effectLst>
+                <a:latin typeface="Consolas" pitchFamily="49" charset="0"/>
+                <a:cs typeface="Consolas" pitchFamily="49" charset="0"/>
+              </a:rPr>
+              <a:t>CREATE</a:t>
+            </a:r>
+            <a:r>
+              <a:rPr lang="en-US" dirty="0">
+                <a:solidFill>
+                  <a:schemeClr val="tx2">
+                    <a:lumMod val="75000"/>
+                  </a:schemeClr>
+                </a:solidFill>
+              </a:rPr>
+              <a:t> </a:t>
+            </a:r>
+            <a:r>
+              <a:rPr lang="en-US" b="1" spc="-30" noProof="1" smtClean="0">
+                <a:solidFill>
+                  <a:schemeClr val="tx2">
+                    <a:lumMod val="75000"/>
+                  </a:schemeClr>
+                </a:solidFill>
+                <a:effectLst>
+                  <a:outerShdw blurRad="38100" dist="38100" dir="2700000" algn="tl">
+                    <a:srgbClr val="000000">
+                      <a:alpha val="43137"/>
+                    </a:srgbClr>
+                  </a:outerShdw>
+                </a:effectLst>
+                <a:latin typeface="Consolas" pitchFamily="49" charset="0"/>
+                <a:cs typeface="Consolas" pitchFamily="49" charset="0"/>
+              </a:rPr>
+              <a:t>VIEW</a:t>
+            </a:r>
+            <a:r>
+              <a:rPr lang="en-US" b="1" spc="-30" noProof="1" smtClean="0">
+                <a:solidFill>
+                  <a:schemeClr val="tx2">
+                    <a:lumMod val="75000"/>
+                  </a:schemeClr>
+                </a:solidFill>
+                <a:effectLst>
+                  <a:outerShdw blurRad="38100" dist="38100" dir="2700000" algn="tl">
+                    <a:srgbClr val="000000">
+                      <a:alpha val="43137"/>
+                    </a:srgbClr>
+                  </a:outerShdw>
+                </a:effectLst>
+                <a:cs typeface="Consolas" pitchFamily="49" charset="0"/>
+              </a:rPr>
+              <a:t> </a:t>
+            </a:r>
+            <a:r>
+              <a:rPr lang="en-US" b="1" spc="-30" noProof="1" smtClean="0">
+                <a:solidFill>
+                  <a:schemeClr val="tx2"/>
+                </a:solidFill>
+                <a:effectLst>
+                  <a:outerShdw blurRad="38100" dist="38100" dir="2700000" algn="tl">
+                    <a:srgbClr val="000000">
+                      <a:alpha val="43137"/>
+                    </a:srgbClr>
+                  </a:outerShdw>
+                </a:effectLst>
+                <a:cs typeface="Consolas" pitchFamily="49" charset="0"/>
+              </a:rPr>
+              <a:t>/ </a:t>
+            </a:r>
+            <a:r>
+              <a:rPr lang="en-US" b="1" spc="-30" noProof="1" smtClean="0">
+                <a:solidFill>
+                  <a:schemeClr val="tx2">
+                    <a:lumMod val="75000"/>
+                  </a:schemeClr>
+                </a:solidFill>
+                <a:effectLst>
+                  <a:outerShdw blurRad="38100" dist="38100" dir="2700000" algn="tl">
+                    <a:srgbClr val="000000">
+                      <a:alpha val="43137"/>
+                    </a:srgbClr>
+                  </a:outerShdw>
+                </a:effectLst>
+                <a:latin typeface="Consolas" pitchFamily="49" charset="0"/>
+                <a:cs typeface="Consolas" pitchFamily="49" charset="0"/>
+              </a:rPr>
+              <a:t>CREATE</a:t>
+            </a:r>
+            <a:r>
+              <a:rPr lang="en-US" dirty="0">
+                <a:solidFill>
+                  <a:schemeClr val="tx2">
+                    <a:lumMod val="75000"/>
+                  </a:schemeClr>
+                </a:solidFill>
+              </a:rPr>
+              <a:t> </a:t>
+            </a:r>
+            <a:r>
+              <a:rPr lang="en-US" b="1" spc="-30" noProof="1" smtClean="0">
+                <a:solidFill>
+                  <a:schemeClr val="tx2">
+                    <a:lumMod val="75000"/>
+                  </a:schemeClr>
+                </a:solidFill>
+                <a:effectLst>
+                  <a:outerShdw blurRad="38100" dist="38100" dir="2700000" algn="tl">
+                    <a:srgbClr val="000000">
+                      <a:alpha val="43137"/>
+                    </a:srgbClr>
+                  </a:outerShdw>
+                </a:effectLst>
+                <a:latin typeface="Consolas" pitchFamily="49" charset="0"/>
+                <a:cs typeface="Consolas" pitchFamily="49" charset="0"/>
+              </a:rPr>
+              <a:t>PROCEDURE</a:t>
+            </a:r>
+            <a:r>
+              <a:rPr lang="en-US" b="1" spc="-30" noProof="1">
+                <a:solidFill>
+                  <a:schemeClr val="tx2">
+                    <a:lumMod val="75000"/>
+                  </a:schemeClr>
+                </a:solidFill>
+                <a:effectLst>
+                  <a:outerShdw blurRad="38100" dist="38100" dir="2700000" algn="tl">
+                    <a:srgbClr val="000000">
+                      <a:alpha val="43137"/>
+                    </a:srgbClr>
+                  </a:outerShdw>
+                </a:effectLst>
+                <a:cs typeface="Consolas" pitchFamily="49" charset="0"/>
+              </a:rPr>
+              <a:t> </a:t>
+            </a:r>
+            <a:r>
+              <a:rPr lang="en-US" b="1" spc="-30" noProof="1">
+                <a:solidFill>
+                  <a:schemeClr val="tx2"/>
+                </a:solidFill>
+                <a:effectLst>
+                  <a:outerShdw blurRad="38100" dist="38100" dir="2700000" algn="tl">
+                    <a:srgbClr val="000000">
+                      <a:alpha val="43137"/>
+                    </a:srgbClr>
+                  </a:outerShdw>
+                </a:effectLst>
+                <a:cs typeface="Consolas" pitchFamily="49" charset="0"/>
+              </a:rPr>
+              <a:t>/ </a:t>
+            </a:r>
+            <a:r>
+              <a:rPr lang="en-US" b="1" spc="-30" noProof="1" smtClean="0">
+                <a:solidFill>
+                  <a:schemeClr val="tx2">
+                    <a:lumMod val="75000"/>
+                  </a:schemeClr>
+                </a:solidFill>
+                <a:effectLst>
+                  <a:outerShdw blurRad="38100" dist="38100" dir="2700000" algn="tl">
+                    <a:srgbClr val="000000">
+                      <a:alpha val="43137"/>
+                    </a:srgbClr>
+                  </a:outerShdw>
+                </a:effectLst>
+                <a:cs typeface="Consolas" pitchFamily="49" charset="0"/>
+              </a:rPr>
+              <a:t>…</a:t>
+            </a:r>
+            <a:endParaRPr lang="en-US" b="1" spc="-30" noProof="1" smtClean="0">
+              <a:solidFill>
+                <a:schemeClr val="tx2">
+                  <a:lumMod val="75000"/>
+                </a:schemeClr>
+              </a:solidFill>
+              <a:effectLst>
+                <a:outerShdw blurRad="38100" dist="38100" dir="2700000" algn="tl">
+                  <a:srgbClr val="000000">
+                    <a:alpha val="43137"/>
+                  </a:srgbClr>
+                </a:outerShdw>
+              </a:effectLst>
+              <a:latin typeface="Consolas" pitchFamily="49" charset="0"/>
+              <a:cs typeface="Consolas" pitchFamily="49" charset="0"/>
+            </a:endParaRPr>
+          </a:p>
+          <a:p>
+            <a:pPr lvl="1">
+              <a:lnSpc>
+                <a:spcPct val="110000"/>
+              </a:lnSpc>
+            </a:pPr>
+            <a:r>
+              <a:rPr lang="en-US" b="1" spc="-30" noProof="1" smtClean="0">
+                <a:solidFill>
+                  <a:schemeClr val="tx2">
+                    <a:lumMod val="75000"/>
+                  </a:schemeClr>
+                </a:solidFill>
+                <a:effectLst>
+                  <a:outerShdw blurRad="38100" dist="38100" dir="2700000" algn="tl">
+                    <a:srgbClr val="000000">
+                      <a:alpha val="43137"/>
+                    </a:srgbClr>
+                  </a:outerShdw>
+                </a:effectLst>
+                <a:latin typeface="Consolas" pitchFamily="49" charset="0"/>
+                <a:cs typeface="Consolas" pitchFamily="49" charset="0"/>
+              </a:rPr>
+              <a:t>UNLIMITED</a:t>
+            </a:r>
+            <a:r>
+              <a:rPr lang="en-US" dirty="0">
+                <a:solidFill>
+                  <a:schemeClr val="tx2">
+                    <a:lumMod val="75000"/>
+                  </a:schemeClr>
+                </a:solidFill>
+              </a:rPr>
+              <a:t> </a:t>
+            </a:r>
+            <a:r>
+              <a:rPr lang="en-US" b="1" spc="-30" noProof="1" smtClean="0">
+                <a:solidFill>
+                  <a:schemeClr val="tx2">
+                    <a:lumMod val="75000"/>
+                  </a:schemeClr>
+                </a:solidFill>
+                <a:effectLst>
+                  <a:outerShdw blurRad="38100" dist="38100" dir="2700000" algn="tl">
+                    <a:srgbClr val="000000">
+                      <a:alpha val="43137"/>
+                    </a:srgbClr>
+                  </a:outerShdw>
+                </a:effectLst>
+                <a:latin typeface="Consolas" pitchFamily="49" charset="0"/>
+                <a:cs typeface="Consolas" pitchFamily="49" charset="0"/>
+              </a:rPr>
+              <a:t>TABLESPACE</a:t>
+            </a:r>
+            <a:r>
+              <a:rPr lang="en-US" dirty="0" smtClean="0">
+                <a:solidFill>
+                  <a:schemeClr val="tx2">
+                    <a:lumMod val="75000"/>
+                  </a:schemeClr>
+                </a:solidFill>
+              </a:rPr>
+              <a:t> </a:t>
+            </a:r>
+            <a:r>
+              <a:rPr lang="en-US" dirty="0"/>
+              <a:t>– </a:t>
+            </a:r>
+            <a:r>
+              <a:rPr lang="en-US" dirty="0" smtClean="0"/>
+              <a:t>unlimited storage quota</a:t>
+            </a:r>
+          </a:p>
+          <a:p>
+            <a:pPr lvl="1">
+              <a:lnSpc>
+                <a:spcPct val="110000"/>
+              </a:lnSpc>
+            </a:pPr>
+            <a:r>
+              <a:rPr lang="en-US" b="1" spc="-30" noProof="1" smtClean="0">
+                <a:solidFill>
+                  <a:schemeClr val="tx2">
+                    <a:lumMod val="75000"/>
+                  </a:schemeClr>
+                </a:solidFill>
+                <a:effectLst>
+                  <a:outerShdw blurRad="38100" dist="38100" dir="2700000" algn="tl">
+                    <a:srgbClr val="000000">
+                      <a:alpha val="43137"/>
+                    </a:srgbClr>
+                  </a:outerShdw>
+                </a:effectLst>
+                <a:latin typeface="Consolas" pitchFamily="49" charset="0"/>
+                <a:cs typeface="Consolas" pitchFamily="49" charset="0"/>
+              </a:rPr>
+              <a:t>SYSDBA</a:t>
+            </a:r>
+            <a:r>
+              <a:rPr lang="en-US" dirty="0"/>
+              <a:t> – </a:t>
+            </a:r>
+            <a:r>
+              <a:rPr lang="en-US" dirty="0" smtClean="0"/>
+              <a:t>unrestricted DB access</a:t>
+            </a:r>
+            <a:endParaRPr lang="en-US" b="1" spc="-30" noProof="1" smtClean="0">
+              <a:solidFill>
+                <a:schemeClr val="tx2">
+                  <a:lumMod val="75000"/>
+                </a:schemeClr>
+              </a:solidFill>
+              <a:effectLst>
+                <a:outerShdw blurRad="38100" dist="38100" dir="2700000" algn="tl">
+                  <a:srgbClr val="000000">
+                    <a:alpha val="43137"/>
+                  </a:srgbClr>
+                </a:outerShdw>
+              </a:effectLst>
+              <a:latin typeface="Consolas" pitchFamily="49" charset="0"/>
+              <a:cs typeface="Consolas" pitchFamily="49" charset="0"/>
+            </a:endParaRPr>
+          </a:p>
+          <a:p>
+            <a:pPr>
+              <a:lnSpc>
+                <a:spcPct val="110000"/>
+              </a:lnSpc>
+            </a:pPr>
+            <a:r>
+              <a:rPr lang="en-US" dirty="0"/>
+              <a:t>Users in Oracle may have certain </a:t>
+            </a:r>
+            <a:r>
+              <a:rPr lang="en-US" dirty="0" smtClean="0">
+                <a:solidFill>
+                  <a:schemeClr val="tx2">
+                    <a:lumMod val="75000"/>
+                  </a:schemeClr>
+                </a:solidFill>
+              </a:rPr>
+              <a:t>roles</a:t>
+            </a:r>
+            <a:endParaRPr lang="en-US" dirty="0">
+              <a:solidFill>
+                <a:schemeClr val="tx2">
+                  <a:lumMod val="75000"/>
+                </a:schemeClr>
+              </a:solidFill>
+            </a:endParaRPr>
+          </a:p>
+          <a:p>
+            <a:pPr lvl="1">
+              <a:lnSpc>
+                <a:spcPct val="110000"/>
+              </a:lnSpc>
+            </a:pPr>
+            <a:r>
+              <a:rPr lang="en-US" b="1" spc="-30" noProof="1" smtClean="0">
+                <a:solidFill>
+                  <a:schemeClr val="tx2">
+                    <a:lumMod val="75000"/>
+                  </a:schemeClr>
+                </a:solidFill>
+                <a:effectLst>
+                  <a:outerShdw blurRad="38100" dist="38100" dir="2700000" algn="tl">
+                    <a:srgbClr val="000000">
+                      <a:alpha val="43137"/>
+                    </a:srgbClr>
+                  </a:outerShdw>
+                </a:effectLst>
+                <a:latin typeface="Consolas" pitchFamily="49" charset="0"/>
+                <a:cs typeface="Consolas" pitchFamily="49" charset="0"/>
+              </a:rPr>
+              <a:t>DBA</a:t>
+            </a:r>
+            <a:r>
+              <a:rPr lang="en-US" dirty="0" smtClean="0">
+                <a:solidFill>
+                  <a:schemeClr val="tx2">
+                    <a:lumMod val="75000"/>
+                  </a:schemeClr>
+                </a:solidFill>
+              </a:rPr>
+              <a:t> </a:t>
+            </a:r>
+            <a:r>
+              <a:rPr lang="en-US" dirty="0"/>
+              <a:t>– </a:t>
+            </a:r>
+            <a:r>
+              <a:rPr lang="en-US" dirty="0" smtClean="0"/>
+              <a:t>database administrator (can add / edit / delete users, assign roles an privileges, edit all table data and edit all DB objects)</a:t>
+            </a:r>
+            <a:endParaRPr lang="en-US" dirty="0">
+              <a:solidFill>
+                <a:schemeClr val="tx2">
+                  <a:lumMod val="75000"/>
+                </a:schemeClr>
+              </a:solidFill>
+            </a:endParaRPr>
+          </a:p>
+        </p:txBody>
+      </p:sp>
+      <p:sp>
+        <p:nvSpPr>
+          <p:cNvPr id="4" name="Title 3"/>
+          <p:cNvSpPr>
+            <a:spLocks noGrp="1"/>
+          </p:cNvSpPr>
+          <p:nvPr>
+            <p:ph type="title"/>
+          </p:nvPr>
+        </p:nvSpPr>
+        <p:spPr/>
+        <p:txBody>
+          <a:bodyPr/>
+          <a:lstStyle/>
+          <a:p>
+            <a:r>
+              <a:rPr lang="en-US" dirty="0" smtClean="0"/>
+              <a:t>User Privileges and Roles in Oracle</a:t>
+            </a:r>
+            <a:endParaRPr lang="en-US" dirty="0"/>
+          </a:p>
+        </p:txBody>
+      </p:sp>
+    </p:spTree>
+    <p:extLst>
+      <p:ext uri="{BB962C8B-B14F-4D97-AF65-F5344CB8AC3E}">
+        <p14:creationId xmlns:p14="http://schemas.microsoft.com/office/powerpoint/2010/main" val="165651662"/>
+      </p:ext>
+    </p:extLst>
+  </p:cSld>
+  <p:clrMapOvr>
+    <a:masterClrMapping/>
+  </p:clrMapOvr>
+  <mc:AlternateContent xmlns:mc="http://schemas.openxmlformats.org/markup-compatibility/2006">
+    <mc:Choice xmlns:p14="http://schemas.microsoft.com/office/powerpoint/2010/main" Requires="p14">
+      <p:transition p14:dur="0"/>
+    </mc:Choice>
+    <mc:Fallback>
+      <p:transition/>
+    </mc:Fallback>
+  </mc:AlternateContent>
+</p:sld>
+</file>
+
+<file path=ppt/slides/slide13.xml><?xml version="1.0" encoding="utf-8"?>
+<p:sld xmlns:a="http://schemas.openxmlformats.org/drawingml/2006/main" xmlns:r="http://schemas.openxmlformats.org/officeDocument/2006/relationships" xmlns:p="http://schemas.openxmlformats.org/presentationml/2006/main">
+  <p:cSld>
+    <p:spTree>
+      <p:nvGrpSpPr>
+        <p:cNvPr id="1" name=""/>
+        <p:cNvGrpSpPr/>
+        <p:nvPr/>
+      </p:nvGrpSpPr>
+      <p:grpSpPr>
+        <a:xfrm>
+          <a:off x="0" y="0"/>
+          <a:ext cx="0" cy="0"/>
+          <a:chOff x="0" y="0"/>
+          <a:chExt cx="0" cy="0"/>
+        </a:xfrm>
+      </p:grpSpPr>
+      <p:sp>
+        <p:nvSpPr>
+          <p:cNvPr id="2" name="Slide Number Placeholder 1"/>
+          <p:cNvSpPr>
+            <a:spLocks noGrp="1"/>
+          </p:cNvSpPr>
+          <p:nvPr>
+            <p:ph type="sldNum" sz="quarter" idx="4"/>
+          </p:nvPr>
+        </p:nvSpPr>
+        <p:spPr/>
+        <p:txBody>
+          <a:bodyPr/>
+          <a:lstStyle/>
+          <a:p>
+            <a:fld id="{C014DD1E-5D91-48A3-AD6D-45FBA980D106}" type="slidenum">
+              <a:rPr lang="en-US" smtClean="0"/>
+              <a:pPr/>
+              <a:t>13</a:t>
+            </a:fld>
+            <a:endParaRPr lang="en-US" dirty="0"/>
+          </a:p>
+        </p:txBody>
+      </p:sp>
+      <p:sp>
+        <p:nvSpPr>
+          <p:cNvPr id="4" name="Title 3"/>
+          <p:cNvSpPr>
+            <a:spLocks noGrp="1"/>
+          </p:cNvSpPr>
+          <p:nvPr>
+            <p:ph type="title"/>
+          </p:nvPr>
+        </p:nvSpPr>
+        <p:spPr/>
+        <p:txBody>
+          <a:bodyPr/>
+          <a:lstStyle/>
+          <a:p>
+            <a:r>
+              <a:rPr lang="en-US" dirty="0" smtClean="0"/>
+              <a:t>Creating a New User in SQL Developer</a:t>
+            </a:r>
+            <a:endParaRPr lang="en-US" dirty="0"/>
+          </a:p>
+        </p:txBody>
+      </p:sp>
+      <p:pic>
+        <p:nvPicPr>
+          <p:cNvPr id="7" name="Picture 6"/>
+          <p:cNvPicPr>
+            <a:picLocks noChangeAspect="1"/>
+          </p:cNvPicPr>
+          <p:nvPr/>
+        </p:nvPicPr>
+        <p:blipFill>
+          <a:blip r:embed="rId2"/>
+          <a:stretch>
+            <a:fillRect/>
+          </a:stretch>
+        </p:blipFill>
         <p:spPr>
           <a:xfrm>
-            <a:off x="190412" y="1151121"/>
-            <a:ext cx="11804821" cy="5570355"/>
+            <a:off x="760412" y="1714500"/>
+            <a:ext cx="5734050" cy="4686300"/>
+          </a:xfrm>
+          <a:prstGeom prst="rect">
+            <a:avLst/>
+          </a:prstGeom>
+        </p:spPr>
+      </p:pic>
+      <p:pic>
+        <p:nvPicPr>
+          <p:cNvPr id="8" name="Picture 7"/>
+          <p:cNvPicPr>
+            <a:picLocks noChangeAspect="1"/>
+          </p:cNvPicPr>
+          <p:nvPr/>
+        </p:nvPicPr>
+        <p:blipFill>
+          <a:blip r:embed="rId3"/>
+          <a:stretch>
+            <a:fillRect/>
+          </a:stretch>
+        </p:blipFill>
+        <p:spPr>
+          <a:xfrm>
+            <a:off x="4094162" y="1141182"/>
+            <a:ext cx="5734050" cy="4686300"/>
+          </a:xfrm>
+          <a:prstGeom prst="rect">
+            <a:avLst/>
+          </a:prstGeom>
+        </p:spPr>
+      </p:pic>
+      <p:pic>
+        <p:nvPicPr>
+          <p:cNvPr id="9" name="Picture 8"/>
+          <p:cNvPicPr>
+            <a:picLocks noChangeAspect="1"/>
+          </p:cNvPicPr>
+          <p:nvPr/>
+        </p:nvPicPr>
+        <p:blipFill>
+          <a:blip r:embed="rId4"/>
+          <a:stretch>
+            <a:fillRect/>
+          </a:stretch>
+        </p:blipFill>
+        <p:spPr>
+          <a:xfrm>
+            <a:off x="7313612" y="2975597"/>
+            <a:ext cx="4191000" cy="3425203"/>
+          </a:xfrm>
+          <a:prstGeom prst="rect">
+            <a:avLst/>
+          </a:prstGeom>
+        </p:spPr>
+      </p:pic>
+    </p:spTree>
+    <p:extLst>
+      <p:ext uri="{BB962C8B-B14F-4D97-AF65-F5344CB8AC3E}">
+        <p14:creationId xmlns:p14="http://schemas.microsoft.com/office/powerpoint/2010/main" val="746627684"/>
+      </p:ext>
+    </p:extLst>
+  </p:cSld>
+  <p:clrMapOvr>
+    <a:masterClrMapping/>
+  </p:clrMapOvr>
+  <mc:AlternateContent xmlns:mc="http://schemas.openxmlformats.org/markup-compatibility/2006" xmlns:p14="http://schemas.microsoft.com/office/powerpoint/2010/main">
+    <mc:Choice Requires="p14">
+      <p:transition p14:dur="0"/>
+    </mc:Choice>
+    <mc:Fallback xmlns="">
+      <p:transition/>
+    </mc:Fallback>
+  </mc:AlternateContent>
+</p:sld>
+</file>
+
+<file path=ppt/slides/slide14.xml><?xml version="1.0" encoding="utf-8"?>
+<p:sld xmlns:a="http://schemas.openxmlformats.org/drawingml/2006/main" xmlns:r="http://schemas.openxmlformats.org/officeDocument/2006/relationships" xmlns:p="http://schemas.openxmlformats.org/presentationml/2006/main">
+  <p:cSld>
+    <p:spTree>
+      <p:nvGrpSpPr>
+        <p:cNvPr id="1" name=""/>
+        <p:cNvGrpSpPr/>
+        <p:nvPr/>
+      </p:nvGrpSpPr>
+      <p:grpSpPr>
+        <a:xfrm>
+          <a:off x="0" y="0"/>
+          <a:ext cx="0" cy="0"/>
+          <a:chOff x="0" y="0"/>
+          <a:chExt cx="0" cy="0"/>
+        </a:xfrm>
+      </p:grpSpPr>
+      <p:sp>
+        <p:nvSpPr>
+          <p:cNvPr id="2" name="Slide Number Placeholder 1"/>
+          <p:cNvSpPr>
+            <a:spLocks noGrp="1"/>
+          </p:cNvSpPr>
+          <p:nvPr>
+            <p:ph type="sldNum" sz="quarter" idx="4"/>
+          </p:nvPr>
+        </p:nvSpPr>
+        <p:spPr/>
+        <p:txBody>
+          <a:bodyPr/>
+          <a:lstStyle/>
+          <a:p>
+            <a:fld id="{C014DD1E-5D91-48A3-AD6D-45FBA980D106}" type="slidenum">
+              <a:rPr lang="en-US" smtClean="0"/>
+              <a:pPr/>
+              <a:t>14</a:t>
+            </a:fld>
+            <a:endParaRPr lang="en-US" dirty="0"/>
+          </a:p>
+        </p:txBody>
+      </p:sp>
+      <p:sp>
+        <p:nvSpPr>
+          <p:cNvPr id="3" name="Content Placeholder 2"/>
+          <p:cNvSpPr>
+            <a:spLocks noGrp="1"/>
+          </p:cNvSpPr>
+          <p:nvPr>
+            <p:ph idx="1"/>
+          </p:nvPr>
+        </p:nvSpPr>
+        <p:spPr/>
+        <p:txBody>
+          <a:bodyPr/>
+          <a:lstStyle/>
+          <a:p>
+            <a:r>
+              <a:rPr lang="en-US" b="1" dirty="0" smtClean="0">
+                <a:solidFill>
+                  <a:schemeClr val="tx2">
+                    <a:lumMod val="75000"/>
+                  </a:schemeClr>
+                </a:solidFill>
+                <a:effectLst>
+                  <a:outerShdw blurRad="38100" dist="38100" dir="2700000" algn="tl">
+                    <a:srgbClr val="000000">
+                      <a:alpha val="43137"/>
+                    </a:srgbClr>
+                  </a:outerShdw>
+                </a:effectLst>
+                <a:latin typeface="Consolas" panose="020B0609020204030204" pitchFamily="49" charset="0"/>
+                <a:cs typeface="Consolas" panose="020B0609020204030204" pitchFamily="49" charset="0"/>
+              </a:rPr>
+              <a:t>NUMBER(precision,</a:t>
+            </a:r>
+            <a:r>
+              <a:rPr lang="en-US" dirty="0"/>
+              <a:t> </a:t>
+            </a:r>
+            <a:r>
+              <a:rPr lang="en-US" b="1" dirty="0" smtClean="0">
+                <a:solidFill>
+                  <a:schemeClr val="tx2">
+                    <a:lumMod val="75000"/>
+                  </a:schemeClr>
+                </a:solidFill>
+                <a:effectLst>
+                  <a:outerShdw blurRad="38100" dist="38100" dir="2700000" algn="tl">
+                    <a:srgbClr val="000000">
+                      <a:alpha val="43137"/>
+                    </a:srgbClr>
+                  </a:outerShdw>
+                </a:effectLst>
+                <a:latin typeface="Consolas" panose="020B0609020204030204" pitchFamily="49" charset="0"/>
+                <a:cs typeface="Consolas" panose="020B0609020204030204" pitchFamily="49" charset="0"/>
+              </a:rPr>
+              <a:t>scale)</a:t>
+            </a:r>
+            <a:r>
+              <a:rPr lang="en-US" dirty="0" smtClean="0"/>
+              <a:t> – a number, e.g. </a:t>
+            </a:r>
+            <a:r>
+              <a:rPr lang="en-US" dirty="0" smtClean="0">
+                <a:solidFill>
+                  <a:schemeClr val="tx2">
+                    <a:lumMod val="75000"/>
+                  </a:schemeClr>
+                </a:solidFill>
+              </a:rPr>
+              <a:t>12345</a:t>
+            </a:r>
+          </a:p>
+          <a:p>
+            <a:pPr lvl="1"/>
+            <a:r>
+              <a:rPr lang="en-US" b="1" dirty="0" smtClean="0">
+                <a:solidFill>
+                  <a:schemeClr val="tx2">
+                    <a:lumMod val="75000"/>
+                  </a:schemeClr>
+                </a:solidFill>
+                <a:latin typeface="Consolas" panose="020B0609020204030204" pitchFamily="49" charset="0"/>
+                <a:cs typeface="Consolas" panose="020B0609020204030204" pitchFamily="49" charset="0"/>
+              </a:rPr>
+              <a:t>precision</a:t>
+            </a:r>
+            <a:r>
+              <a:rPr lang="en-US" dirty="0" smtClean="0"/>
+              <a:t> – total number of digits</a:t>
+            </a:r>
+          </a:p>
+          <a:p>
+            <a:pPr lvl="1"/>
+            <a:r>
+              <a:rPr lang="en-US" b="1" dirty="0">
+                <a:solidFill>
+                  <a:schemeClr val="tx2">
+                    <a:lumMod val="75000"/>
+                  </a:schemeClr>
+                </a:solidFill>
+                <a:latin typeface="Consolas" panose="020B0609020204030204" pitchFamily="49" charset="0"/>
+                <a:cs typeface="Consolas" panose="020B0609020204030204" pitchFamily="49" charset="0"/>
+              </a:rPr>
+              <a:t>scale</a:t>
+            </a:r>
+            <a:r>
+              <a:rPr lang="en-US" dirty="0" smtClean="0"/>
+              <a:t> – number </a:t>
+            </a:r>
+            <a:r>
+              <a:rPr lang="en-US" dirty="0"/>
+              <a:t>of digits to the right of the decimal point</a:t>
+            </a:r>
+            <a:endParaRPr lang="en-US" dirty="0" smtClean="0"/>
+          </a:p>
+          <a:p>
+            <a:r>
+              <a:rPr lang="en-US" b="1" dirty="0" smtClean="0">
+                <a:solidFill>
+                  <a:schemeClr val="tx2">
+                    <a:lumMod val="75000"/>
+                  </a:schemeClr>
+                </a:solidFill>
+                <a:effectLst>
+                  <a:outerShdw blurRad="38100" dist="38100" dir="2700000" algn="tl">
+                    <a:srgbClr val="000000">
+                      <a:alpha val="43137"/>
+                    </a:srgbClr>
+                  </a:outerShdw>
+                </a:effectLst>
+                <a:latin typeface="Consolas" panose="020B0609020204030204" pitchFamily="49" charset="0"/>
+                <a:cs typeface="Consolas" panose="020B0609020204030204" pitchFamily="49" charset="0"/>
+              </a:rPr>
+              <a:t>VARCHAR2(length)</a:t>
+            </a:r>
+            <a:r>
+              <a:rPr lang="en-US" dirty="0" smtClean="0"/>
+              <a:t> </a:t>
+            </a:r>
+            <a:r>
+              <a:rPr lang="en-US" dirty="0"/>
+              <a:t>– </a:t>
+            </a:r>
+            <a:r>
+              <a:rPr lang="en-US" dirty="0" smtClean="0"/>
+              <a:t>sequence of characters (up to 4000)</a:t>
+            </a:r>
+            <a:endParaRPr lang="en-US" b="1" dirty="0" smtClean="0">
+              <a:solidFill>
+                <a:schemeClr val="tx2">
+                  <a:lumMod val="75000"/>
+                </a:schemeClr>
+              </a:solidFill>
+              <a:latin typeface="Consolas" panose="020B0609020204030204" pitchFamily="49" charset="0"/>
+              <a:cs typeface="Consolas" panose="020B0609020204030204" pitchFamily="49" charset="0"/>
+            </a:endParaRPr>
+          </a:p>
+          <a:p>
+            <a:r>
+              <a:rPr lang="en-US" b="1" dirty="0" smtClean="0">
+                <a:solidFill>
+                  <a:schemeClr val="tx2">
+                    <a:lumMod val="75000"/>
+                  </a:schemeClr>
+                </a:solidFill>
+                <a:latin typeface="Consolas" panose="020B0609020204030204" pitchFamily="49" charset="0"/>
+                <a:cs typeface="Consolas" panose="020B0609020204030204" pitchFamily="49" charset="0"/>
+              </a:rPr>
+              <a:t>NVARCHAR2(length)</a:t>
+            </a:r>
+            <a:r>
+              <a:rPr lang="en-US" dirty="0" smtClean="0"/>
+              <a:t> </a:t>
+            </a:r>
+            <a:r>
+              <a:rPr lang="en-US" dirty="0"/>
+              <a:t>– sequence of </a:t>
+            </a:r>
+            <a:r>
+              <a:rPr lang="en-US" dirty="0" smtClean="0"/>
+              <a:t>Unicode characters</a:t>
+            </a:r>
+          </a:p>
+          <a:p>
+            <a:r>
+              <a:rPr lang="en-US" b="1" dirty="0">
+                <a:solidFill>
+                  <a:schemeClr val="tx2">
+                    <a:lumMod val="75000"/>
+                  </a:schemeClr>
+                </a:solidFill>
+                <a:effectLst>
+                  <a:outerShdw blurRad="38100" dist="38100" dir="2700000" algn="tl">
+                    <a:srgbClr val="000000">
+                      <a:alpha val="43137"/>
+                    </a:srgbClr>
+                  </a:outerShdw>
+                </a:effectLst>
+                <a:latin typeface="Consolas" panose="020B0609020204030204" pitchFamily="49" charset="0"/>
+                <a:cs typeface="Consolas" panose="020B0609020204030204" pitchFamily="49" charset="0"/>
+              </a:rPr>
+              <a:t>DATE</a:t>
+            </a:r>
+            <a:r>
+              <a:rPr lang="en-US" dirty="0" smtClean="0"/>
+              <a:t> – date and time, e.g. "</a:t>
+            </a:r>
+            <a:r>
+              <a:rPr lang="en-US" dirty="0" smtClean="0">
+                <a:solidFill>
+                  <a:schemeClr val="tx2">
+                    <a:lumMod val="75000"/>
+                  </a:schemeClr>
+                </a:solidFill>
+              </a:rPr>
+              <a:t>18-June-2015 20:30:07</a:t>
+            </a:r>
+            <a:r>
+              <a:rPr lang="en-US" dirty="0" smtClean="0"/>
+              <a:t>"</a:t>
+            </a:r>
+          </a:p>
+          <a:p>
+            <a:r>
+              <a:rPr lang="en-US" b="1" dirty="0">
+                <a:solidFill>
+                  <a:schemeClr val="tx2">
+                    <a:lumMod val="75000"/>
+                  </a:schemeClr>
+                </a:solidFill>
+                <a:effectLst>
+                  <a:outerShdw blurRad="38100" dist="38100" dir="2700000" algn="tl">
+                    <a:srgbClr val="000000">
+                      <a:alpha val="43137"/>
+                    </a:srgbClr>
+                  </a:outerShdw>
+                </a:effectLst>
+                <a:latin typeface="Consolas" panose="020B0609020204030204" pitchFamily="49" charset="0"/>
+                <a:cs typeface="Consolas" panose="020B0609020204030204" pitchFamily="49" charset="0"/>
+              </a:rPr>
+              <a:t>BLOB</a:t>
+            </a:r>
+            <a:r>
+              <a:rPr lang="en-US" dirty="0" smtClean="0"/>
+              <a:t> – </a:t>
+            </a:r>
+            <a:r>
+              <a:rPr lang="en-US" dirty="0"/>
+              <a:t>binary </a:t>
+            </a:r>
+            <a:r>
+              <a:rPr lang="en-US" dirty="0" smtClean="0"/>
+              <a:t>large object (e.g. PDF document or JPEG image)</a:t>
+            </a:r>
+          </a:p>
+          <a:p>
+            <a:r>
+              <a:rPr lang="en-US" b="1" dirty="0">
+                <a:solidFill>
+                  <a:schemeClr val="tx2">
+                    <a:lumMod val="75000"/>
+                  </a:schemeClr>
+                </a:solidFill>
+                <a:effectLst>
+                  <a:outerShdw blurRad="38100" dist="38100" dir="2700000" algn="tl">
+                    <a:srgbClr val="000000">
+                      <a:alpha val="43137"/>
+                    </a:srgbClr>
+                  </a:outerShdw>
+                </a:effectLst>
+                <a:latin typeface="Consolas" panose="020B0609020204030204" pitchFamily="49" charset="0"/>
+                <a:cs typeface="Consolas" panose="020B0609020204030204" pitchFamily="49" charset="0"/>
+              </a:rPr>
+              <a:t>CLOB</a:t>
+            </a:r>
+            <a:r>
+              <a:rPr lang="en-US" dirty="0" smtClean="0"/>
+              <a:t> – character large object (e.g. HTML document)</a:t>
+            </a:r>
+            <a:endParaRPr lang="en-US" dirty="0"/>
+          </a:p>
+          <a:p>
+            <a:endParaRPr lang="en-US" dirty="0"/>
+          </a:p>
+        </p:txBody>
+      </p:sp>
+      <p:sp>
+        <p:nvSpPr>
+          <p:cNvPr id="4" name="Title 3"/>
+          <p:cNvSpPr>
+            <a:spLocks noGrp="1"/>
+          </p:cNvSpPr>
+          <p:nvPr>
+            <p:ph type="title"/>
+          </p:nvPr>
+        </p:nvSpPr>
+        <p:spPr/>
+        <p:txBody>
+          <a:bodyPr/>
+          <a:lstStyle/>
+          <a:p>
+            <a:r>
+              <a:rPr lang="en-US" dirty="0" smtClean="0"/>
+              <a:t>Oracle Data Types</a:t>
+            </a:r>
+            <a:endParaRPr lang="en-US" dirty="0"/>
+          </a:p>
+        </p:txBody>
+      </p:sp>
+    </p:spTree>
+    <p:extLst>
+      <p:ext uri="{BB962C8B-B14F-4D97-AF65-F5344CB8AC3E}">
+        <p14:creationId xmlns:p14="http://schemas.microsoft.com/office/powerpoint/2010/main" val="4250661711"/>
+      </p:ext>
+    </p:extLst>
+  </p:cSld>
+  <p:clrMapOvr>
+    <a:masterClrMapping/>
+  </p:clrMapOvr>
+  <mc:AlternateContent xmlns:mc="http://schemas.openxmlformats.org/markup-compatibility/2006">
+    <mc:Choice xmlns:p14="http://schemas.microsoft.com/office/powerpoint/2010/main" Requires="p14">
+      <p:transition p14:dur="0"/>
+    </mc:Choice>
+    <mc:Fallback>
+      <p:transition/>
+    </mc:Fallback>
+  </mc:AlternateContent>
+  <p:timing>
+    <p:tnLst>
+      <p:par>
+        <p:cTn id="1" dur="indefinite" restart="never" nodeType="tmRoot"/>
+      </p:par>
+    </p:tnLst>
+  </p:timing>
+</p:sld>
+</file>
+
+<file path=ppt/slides/slide15.xml><?xml version="1.0" encoding="utf-8"?>
+<p:sld xmlns:a="http://schemas.openxmlformats.org/drawingml/2006/main" xmlns:r="http://schemas.openxmlformats.org/officeDocument/2006/relationships" xmlns:p="http://schemas.openxmlformats.org/presentationml/2006/main">
+  <p:cSld>
+    <p:spTree>
+      <p:nvGrpSpPr>
+        <p:cNvPr id="1" name=""/>
+        <p:cNvGrpSpPr/>
+        <p:nvPr/>
+      </p:nvGrpSpPr>
+      <p:grpSpPr>
+        <a:xfrm>
+          <a:off x="0" y="0"/>
+          <a:ext cx="0" cy="0"/>
+          <a:chOff x="0" y="0"/>
+          <a:chExt cx="0" cy="0"/>
+        </a:xfrm>
+      </p:grpSpPr>
+      <p:sp>
+        <p:nvSpPr>
+          <p:cNvPr id="2" name="Slide Number Placeholder 1"/>
+          <p:cNvSpPr>
+            <a:spLocks noGrp="1"/>
+          </p:cNvSpPr>
+          <p:nvPr>
+            <p:ph type="sldNum" sz="quarter" idx="4"/>
+          </p:nvPr>
+        </p:nvSpPr>
+        <p:spPr/>
+        <p:txBody>
+          <a:bodyPr/>
+          <a:lstStyle/>
+          <a:p>
+            <a:fld id="{C014DD1E-5D91-48A3-AD6D-45FBA980D106}" type="slidenum">
+              <a:rPr lang="en-US" smtClean="0"/>
+              <a:pPr/>
+              <a:t>15</a:t>
+            </a:fld>
+            <a:endParaRPr lang="en-US" dirty="0"/>
+          </a:p>
+        </p:txBody>
+      </p:sp>
+      <p:sp>
+        <p:nvSpPr>
+          <p:cNvPr id="4" name="Title 3"/>
+          <p:cNvSpPr>
+            <a:spLocks noGrp="1"/>
+          </p:cNvSpPr>
+          <p:nvPr>
+            <p:ph type="title"/>
+          </p:nvPr>
+        </p:nvSpPr>
+        <p:spPr/>
+        <p:txBody>
+          <a:bodyPr/>
+          <a:lstStyle/>
+          <a:p>
+            <a:r>
+              <a:rPr lang="en-US" dirty="0" smtClean="0"/>
+              <a:t>Creating Tables in SQL Developer</a:t>
+            </a:r>
+            <a:endParaRPr lang="en-US" dirty="0"/>
+          </a:p>
+        </p:txBody>
+      </p:sp>
+      <p:pic>
+        <p:nvPicPr>
+          <p:cNvPr id="6" name="Picture 5"/>
+          <p:cNvPicPr>
+            <a:picLocks noChangeAspect="1"/>
+          </p:cNvPicPr>
+          <p:nvPr/>
+        </p:nvPicPr>
+        <p:blipFill>
+          <a:blip r:embed="rId2"/>
+          <a:stretch>
+            <a:fillRect/>
+          </a:stretch>
+        </p:blipFill>
+        <p:spPr>
+          <a:xfrm>
+            <a:off x="1751012" y="1219200"/>
+            <a:ext cx="8726906" cy="5181600"/>
+          </a:xfrm>
+          <a:prstGeom prst="rect">
+            <a:avLst/>
+          </a:prstGeom>
+        </p:spPr>
+      </p:pic>
+    </p:spTree>
+    <p:extLst>
+      <p:ext uri="{BB962C8B-B14F-4D97-AF65-F5344CB8AC3E}">
+        <p14:creationId xmlns:p14="http://schemas.microsoft.com/office/powerpoint/2010/main" val="2398556021"/>
+      </p:ext>
+    </p:extLst>
+  </p:cSld>
+  <p:clrMapOvr>
+    <a:masterClrMapping/>
+  </p:clrMapOvr>
+  <mc:AlternateContent xmlns:mc="http://schemas.openxmlformats.org/markup-compatibility/2006">
+    <mc:Choice xmlns:p14="http://schemas.microsoft.com/office/powerpoint/2010/main" Requires="p14">
+      <p:transition p14:dur="0"/>
+    </mc:Choice>
+    <mc:Fallback>
+      <p:transition/>
+    </mc:Fallback>
+  </mc:AlternateContent>
+  <p:timing>
+    <p:tnLst>
+      <p:par>
+        <p:cTn id="1" dur="indefinite" restart="never" nodeType="tmRoot"/>
+      </p:par>
+    </p:tnLst>
+  </p:timing>
+</p:sld>
+</file>
+
+<file path=ppt/slides/slide16.xml><?xml version="1.0" encoding="utf-8"?>
+<p:sld xmlns:a="http://schemas.openxmlformats.org/drawingml/2006/main" xmlns:r="http://schemas.openxmlformats.org/officeDocument/2006/relationships" xmlns:p="http://schemas.openxmlformats.org/presentationml/2006/main">
+  <p:cSld>
+    <p:spTree>
+      <p:nvGrpSpPr>
+        <p:cNvPr id="1" name=""/>
+        <p:cNvGrpSpPr/>
+        <p:nvPr/>
+      </p:nvGrpSpPr>
+      <p:grpSpPr>
+        <a:xfrm>
+          <a:off x="0" y="0"/>
+          <a:ext cx="0" cy="0"/>
+          <a:chOff x="0" y="0"/>
+          <a:chExt cx="0" cy="0"/>
+        </a:xfrm>
+      </p:grpSpPr>
+      <p:sp>
+        <p:nvSpPr>
+          <p:cNvPr id="2" name="Slide Number Placeholder 1"/>
+          <p:cNvSpPr>
+            <a:spLocks noGrp="1"/>
+          </p:cNvSpPr>
+          <p:nvPr>
+            <p:ph type="sldNum" sz="quarter" idx="4"/>
+          </p:nvPr>
+        </p:nvSpPr>
+        <p:spPr/>
+        <p:txBody>
+          <a:bodyPr/>
+          <a:lstStyle/>
+          <a:p>
+            <a:fld id="{C014DD1E-5D91-48A3-AD6D-45FBA980D106}" type="slidenum">
+              <a:rPr lang="en-US" smtClean="0"/>
+              <a:pPr/>
+              <a:t>16</a:t>
+            </a:fld>
+            <a:endParaRPr lang="en-US" dirty="0"/>
+          </a:p>
+        </p:txBody>
+      </p:sp>
+      <p:sp>
+        <p:nvSpPr>
+          <p:cNvPr id="3" name="Content Placeholder 2"/>
+          <p:cNvSpPr>
+            <a:spLocks noGrp="1"/>
+          </p:cNvSpPr>
+          <p:nvPr>
+            <p:ph idx="1"/>
+          </p:nvPr>
+        </p:nvSpPr>
+        <p:spPr/>
+        <p:txBody>
+          <a:bodyPr>
+            <a:normAutofit lnSpcReduction="10000"/>
+          </a:bodyPr>
+          <a:lstStyle/>
+          <a:p>
+            <a:r>
+              <a:rPr lang="en-US" dirty="0" smtClean="0"/>
+              <a:t>Oracle database has some specifics</a:t>
+            </a:r>
+          </a:p>
+          <a:p>
+            <a:pPr lvl="1"/>
+            <a:r>
+              <a:rPr lang="en-US" dirty="0" smtClean="0"/>
+              <a:t>One </a:t>
+            </a:r>
+            <a:r>
+              <a:rPr lang="en-US" dirty="0" smtClean="0"/>
+              <a:t>database with </a:t>
+            </a:r>
+            <a:r>
+              <a:rPr lang="en-US" dirty="0" smtClean="0"/>
+              <a:t>many </a:t>
+            </a:r>
+            <a:r>
+              <a:rPr lang="en-US" dirty="0" smtClean="0"/>
+              <a:t>users (schemas)</a:t>
+            </a:r>
+            <a:endParaRPr lang="en-US" dirty="0" smtClean="0"/>
+          </a:p>
+          <a:p>
+            <a:pPr lvl="2"/>
+            <a:r>
+              <a:rPr lang="en-US" dirty="0" smtClean="0"/>
+              <a:t>Each user has its own schema (tables and other DB objects)</a:t>
+            </a:r>
+          </a:p>
+          <a:p>
+            <a:pPr lvl="1"/>
+            <a:r>
+              <a:rPr lang="en-US" dirty="0" smtClean="0"/>
+              <a:t>Use </a:t>
+            </a:r>
+            <a:r>
+              <a:rPr lang="en-US" b="1" dirty="0" smtClean="0">
+                <a:solidFill>
+                  <a:schemeClr val="tx2">
+                    <a:lumMod val="75000"/>
+                  </a:schemeClr>
+                </a:solidFill>
+                <a:latin typeface="Consolas" panose="020B0609020204030204" pitchFamily="49" charset="0"/>
+                <a:cs typeface="Consolas" panose="020B0609020204030204" pitchFamily="49" charset="0"/>
+              </a:rPr>
+              <a:t>UPPERCASE</a:t>
+            </a:r>
+            <a:r>
+              <a:rPr lang="en-US" dirty="0" smtClean="0"/>
+              <a:t> </a:t>
+            </a:r>
+            <a:r>
+              <a:rPr lang="en-US" dirty="0" smtClean="0"/>
+              <a:t>for all identifiers</a:t>
+            </a:r>
+          </a:p>
+          <a:p>
+            <a:pPr lvl="2"/>
+            <a:r>
+              <a:rPr lang="en-US" dirty="0" smtClean="0"/>
+              <a:t>Otherwise you should use the quoted syntax, e.g. </a:t>
+            </a:r>
+            <a:r>
+              <a:rPr lang="en-US" b="1" dirty="0" smtClean="0">
+                <a:solidFill>
+                  <a:schemeClr val="tx2">
+                    <a:lumMod val="75000"/>
+                  </a:schemeClr>
+                </a:solidFill>
+                <a:latin typeface="Consolas" panose="020B0609020204030204" pitchFamily="49" charset="0"/>
+                <a:cs typeface="Consolas" panose="020B0609020204030204" pitchFamily="49" charset="0"/>
+              </a:rPr>
+              <a:t>"My</a:t>
+            </a:r>
+            <a:r>
+              <a:rPr lang="en-US" b="1" dirty="0" smtClean="0">
+                <a:solidFill>
+                  <a:schemeClr val="tx2">
+                    <a:lumMod val="75000"/>
+                  </a:schemeClr>
+                </a:solidFill>
+                <a:cs typeface="Consolas" panose="020B0609020204030204" pitchFamily="49" charset="0"/>
+              </a:rPr>
+              <a:t> </a:t>
+            </a:r>
+            <a:r>
+              <a:rPr lang="en-US" b="1" dirty="0" smtClean="0">
+                <a:solidFill>
+                  <a:schemeClr val="tx2">
+                    <a:lumMod val="75000"/>
+                  </a:schemeClr>
+                </a:solidFill>
+                <a:latin typeface="Consolas" panose="020B0609020204030204" pitchFamily="49" charset="0"/>
+                <a:cs typeface="Consolas" panose="020B0609020204030204" pitchFamily="49" charset="0"/>
+              </a:rPr>
+              <a:t>Table"</a:t>
+            </a:r>
+          </a:p>
+          <a:p>
+            <a:pPr lvl="1"/>
+            <a:r>
+              <a:rPr lang="en-US" dirty="0" smtClean="0"/>
+              <a:t>No auto-increment </a:t>
+            </a:r>
+            <a:r>
+              <a:rPr lang="en-US" dirty="0" smtClean="0"/>
+              <a:t>columns (until version 12c)</a:t>
+            </a:r>
+            <a:endParaRPr lang="en-US" dirty="0" smtClean="0"/>
+          </a:p>
+          <a:p>
+            <a:pPr lvl="2"/>
+            <a:r>
+              <a:rPr lang="en-US" dirty="0" smtClean="0"/>
+              <a:t>Use a </a:t>
+            </a:r>
+            <a:r>
+              <a:rPr lang="en-US" dirty="0" smtClean="0">
+                <a:hlinkClick r:id="rId2"/>
+              </a:rPr>
+              <a:t>SEQUENCE + TRIGGER for auto-increment</a:t>
+            </a:r>
+            <a:endParaRPr lang="en-US" dirty="0" smtClean="0"/>
+          </a:p>
+          <a:p>
+            <a:pPr lvl="1"/>
+            <a:r>
+              <a:rPr lang="en-US" dirty="0" smtClean="0"/>
+              <a:t>In Oracle </a:t>
+            </a:r>
+            <a:r>
+              <a:rPr lang="en-US" b="1" dirty="0" smtClean="0">
+                <a:solidFill>
+                  <a:schemeClr val="tx2">
+                    <a:lumMod val="75000"/>
+                  </a:schemeClr>
+                </a:solidFill>
+                <a:latin typeface="Consolas" panose="020B0609020204030204" pitchFamily="49" charset="0"/>
+                <a:cs typeface="Consolas" panose="020B0609020204030204" pitchFamily="49" charset="0"/>
+              </a:rPr>
+              <a:t>NULL</a:t>
+            </a:r>
+            <a:r>
+              <a:rPr lang="en-US" dirty="0" smtClean="0"/>
+              <a:t> is the same like </a:t>
+            </a:r>
+            <a:r>
+              <a:rPr lang="en-US" b="1" dirty="0" smtClean="0">
+                <a:solidFill>
+                  <a:schemeClr val="tx2">
+                    <a:lumMod val="75000"/>
+                  </a:schemeClr>
+                </a:solidFill>
+                <a:latin typeface="Consolas" panose="020B0609020204030204" pitchFamily="49" charset="0"/>
+                <a:cs typeface="Consolas" panose="020B0609020204030204" pitchFamily="49" charset="0"/>
+              </a:rPr>
+              <a:t>""</a:t>
+            </a:r>
+            <a:r>
+              <a:rPr lang="en-US" dirty="0" smtClean="0"/>
+              <a:t> (empty string)</a:t>
+            </a:r>
+          </a:p>
+          <a:p>
+            <a:pPr lvl="2"/>
+            <a:r>
+              <a:rPr lang="en-US" dirty="0" smtClean="0"/>
+              <a:t>This causes many problems!</a:t>
+            </a:r>
+            <a:endParaRPr lang="en-US" dirty="0"/>
+          </a:p>
+        </p:txBody>
+      </p:sp>
+      <p:sp>
+        <p:nvSpPr>
+          <p:cNvPr id="4" name="Title 3"/>
+          <p:cNvSpPr>
+            <a:spLocks noGrp="1"/>
+          </p:cNvSpPr>
+          <p:nvPr>
+            <p:ph type="title"/>
+          </p:nvPr>
+        </p:nvSpPr>
+        <p:spPr/>
+        <p:txBody>
+          <a:bodyPr/>
+          <a:lstStyle/>
+          <a:p>
+            <a:r>
+              <a:rPr lang="en-US" dirty="0" smtClean="0"/>
+              <a:t>Beware: Oracle has </a:t>
+            </a:r>
+            <a:r>
+              <a:rPr lang="en-US" dirty="0" smtClean="0"/>
+              <a:t>Specifics!</a:t>
+            </a:r>
+            <a:endParaRPr lang="en-US" dirty="0"/>
+          </a:p>
+        </p:txBody>
+      </p:sp>
+    </p:spTree>
+    <p:extLst>
+      <p:ext uri="{BB962C8B-B14F-4D97-AF65-F5344CB8AC3E}">
+        <p14:creationId xmlns:p14="http://schemas.microsoft.com/office/powerpoint/2010/main" val="2497219643"/>
+      </p:ext>
+    </p:extLst>
+  </p:cSld>
+  <p:clrMapOvr>
+    <a:masterClrMapping/>
+  </p:clrMapOvr>
+  <mc:AlternateContent xmlns:mc="http://schemas.openxmlformats.org/markup-compatibility/2006" xmlns:p14="http://schemas.microsoft.com/office/powerpoint/2010/main">
+    <mc:Choice Requires="p14">
+      <p:transition p14:dur="0"/>
+    </mc:Choice>
+    <mc:Fallback xmlns="">
+      <p:transition/>
+    </mc:Fallback>
+  </mc:AlternateContent>
+  <p:timing>
+    <p:tnLst>
+      <p:par>
+        <p:cTn id="1" dur="indefinite" restart="never" nodeType="tmRoot"/>
+      </p:par>
+    </p:tnLst>
+  </p:timing>
+</p:sld>
+</file>
+
+<file path=ppt/slides/slide17.xml><?xml version="1.0" encoding="utf-8"?>
+<p:sld xmlns:a="http://schemas.openxmlformats.org/drawingml/2006/main" xmlns:r="http://schemas.openxmlformats.org/officeDocument/2006/relationships" xmlns:p="http://schemas.openxmlformats.org/presentationml/2006/main">
+  <p:cSld>
+    <p:spTree>
+      <p:nvGrpSpPr>
+        <p:cNvPr id="1" name=""/>
+        <p:cNvGrpSpPr/>
+        <p:nvPr/>
+      </p:nvGrpSpPr>
+      <p:grpSpPr>
+        <a:xfrm>
+          <a:off x="0" y="0"/>
+          <a:ext cx="0" cy="0"/>
+          <a:chOff x="0" y="0"/>
+          <a:chExt cx="0" cy="0"/>
+        </a:xfrm>
+      </p:grpSpPr>
+      <p:sp>
+        <p:nvSpPr>
+          <p:cNvPr id="2" name="Slide Number Placeholder 1"/>
+          <p:cNvSpPr>
+            <a:spLocks noGrp="1"/>
+          </p:cNvSpPr>
+          <p:nvPr>
+            <p:ph type="sldNum" sz="quarter" idx="4"/>
+          </p:nvPr>
+        </p:nvSpPr>
+        <p:spPr/>
+        <p:txBody>
+          <a:bodyPr/>
+          <a:lstStyle/>
+          <a:p>
+            <a:fld id="{C014DD1E-5D91-48A3-AD6D-45FBA980D106}" type="slidenum">
+              <a:rPr lang="en-US" smtClean="0"/>
+              <a:pPr/>
+              <a:t>17</a:t>
+            </a:fld>
+            <a:endParaRPr lang="en-US" dirty="0"/>
+          </a:p>
+        </p:txBody>
+      </p:sp>
+      <p:sp>
+        <p:nvSpPr>
+          <p:cNvPr id="3" name="Content Placeholder 2"/>
+          <p:cNvSpPr>
+            <a:spLocks noGrp="1"/>
+          </p:cNvSpPr>
+          <p:nvPr>
+            <p:ph idx="1"/>
+          </p:nvPr>
+        </p:nvSpPr>
+        <p:spPr/>
+        <p:txBody>
+          <a:bodyPr/>
+          <a:lstStyle/>
+          <a:p>
+            <a:r>
+              <a:rPr lang="en-US" dirty="0" smtClean="0"/>
+              <a:t>In Oracle, we have the "</a:t>
+            </a:r>
+            <a:r>
+              <a:rPr lang="en-US" b="1" dirty="0" smtClean="0">
+                <a:solidFill>
+                  <a:schemeClr val="tx2">
+                    <a:lumMod val="75000"/>
+                  </a:schemeClr>
+                </a:solidFill>
+                <a:latin typeface="Consolas" panose="020B0609020204030204" pitchFamily="49" charset="0"/>
+                <a:cs typeface="Consolas" panose="020B0609020204030204" pitchFamily="49" charset="0"/>
+              </a:rPr>
+              <a:t>HR</a:t>
+            </a:r>
+            <a:r>
+              <a:rPr lang="en-US" dirty="0" smtClean="0"/>
+              <a:t>" schema, coming as sample database</a:t>
+            </a:r>
+          </a:p>
+          <a:p>
+            <a:pPr lvl="1"/>
+            <a:r>
+              <a:rPr lang="en-US" dirty="0" smtClean="0"/>
+              <a:t>The "</a:t>
+            </a:r>
+            <a:r>
+              <a:rPr lang="en-US" b="1" dirty="0" smtClean="0">
+                <a:solidFill>
+                  <a:schemeClr val="tx2">
+                    <a:lumMod val="75000"/>
+                  </a:schemeClr>
+                </a:solidFill>
+                <a:latin typeface="Consolas" panose="020B0609020204030204" pitchFamily="49" charset="0"/>
+                <a:cs typeface="Consolas" panose="020B0609020204030204" pitchFamily="49" charset="0"/>
+              </a:rPr>
+              <a:t>HR</a:t>
+            </a:r>
+            <a:r>
+              <a:rPr lang="en-US" dirty="0" smtClean="0"/>
+              <a:t>" schema holds:</a:t>
+            </a:r>
+          </a:p>
+          <a:p>
+            <a:pPr lvl="2"/>
+            <a:r>
+              <a:rPr lang="en-US" dirty="0" smtClean="0"/>
+              <a:t>Employees</a:t>
+            </a:r>
+          </a:p>
+          <a:p>
+            <a:pPr lvl="2"/>
+            <a:r>
+              <a:rPr lang="en-US" dirty="0" smtClean="0"/>
+              <a:t>Jobs</a:t>
+            </a:r>
+          </a:p>
+          <a:p>
+            <a:pPr lvl="2"/>
+            <a:r>
+              <a:rPr lang="en-US" dirty="0" smtClean="0"/>
+              <a:t>Departments</a:t>
+            </a:r>
+          </a:p>
+          <a:p>
+            <a:pPr lvl="2"/>
+            <a:r>
+              <a:rPr lang="en-US" dirty="0" smtClean="0"/>
+              <a:t>Locations (addresses)</a:t>
+            </a:r>
+          </a:p>
+          <a:p>
+            <a:pPr lvl="2"/>
+            <a:r>
+              <a:rPr lang="en-US" dirty="0" smtClean="0"/>
+              <a:t>Countries</a:t>
+            </a:r>
+          </a:p>
+          <a:p>
+            <a:pPr lvl="1"/>
+            <a:r>
+              <a:rPr lang="en-US" dirty="0" smtClean="0"/>
+              <a:t>To use it, unlock the "</a:t>
+            </a:r>
+            <a:r>
+              <a:rPr lang="en-US" sz="3400" b="1" dirty="0">
+                <a:solidFill>
+                  <a:schemeClr val="tx2">
+                    <a:lumMod val="75000"/>
+                  </a:schemeClr>
+                </a:solidFill>
+                <a:latin typeface="Consolas" panose="020B0609020204030204" pitchFamily="49" charset="0"/>
+                <a:cs typeface="Consolas" panose="020B0609020204030204" pitchFamily="49" charset="0"/>
+              </a:rPr>
+              <a:t>H</a:t>
+            </a:r>
+            <a:r>
+              <a:rPr lang="en-US" sz="3400" b="1" dirty="0">
+                <a:solidFill>
+                  <a:schemeClr val="tx2">
+                    <a:lumMod val="75000"/>
+                  </a:schemeClr>
+                </a:solidFill>
+                <a:latin typeface="Consolas" panose="020B0609020204030204" pitchFamily="49" charset="0"/>
+                <a:cs typeface="Consolas" panose="020B0609020204030204" pitchFamily="49" charset="0"/>
+              </a:rPr>
+              <a:t>R</a:t>
+            </a:r>
+            <a:r>
+              <a:rPr lang="en-US" dirty="0" smtClean="0"/>
+              <a:t>" user and change its password</a:t>
+            </a:r>
+            <a:endParaRPr lang="en-US" dirty="0"/>
+          </a:p>
+        </p:txBody>
+      </p:sp>
+      <p:sp>
+        <p:nvSpPr>
+          <p:cNvPr id="4" name="Title 3"/>
+          <p:cNvSpPr>
+            <a:spLocks noGrp="1"/>
+          </p:cNvSpPr>
+          <p:nvPr>
+            <p:ph type="title"/>
+          </p:nvPr>
+        </p:nvSpPr>
+        <p:spPr/>
+        <p:txBody>
+          <a:bodyPr/>
+          <a:lstStyle/>
+          <a:p>
+            <a:r>
+              <a:rPr lang="en-US" dirty="0" smtClean="0"/>
+              <a:t>The HR Sample Schema</a:t>
+            </a:r>
+            <a:endParaRPr lang="en-US" dirty="0"/>
+          </a:p>
+        </p:txBody>
+      </p:sp>
+      <p:pic>
+        <p:nvPicPr>
+          <p:cNvPr id="7" name="Picture 6"/>
+          <p:cNvPicPr>
+            <a:picLocks noChangeAspect="1"/>
+          </p:cNvPicPr>
+          <p:nvPr/>
+        </p:nvPicPr>
+        <p:blipFill>
+          <a:blip r:embed="rId2"/>
+          <a:stretch>
+            <a:fillRect/>
+          </a:stretch>
+        </p:blipFill>
+        <p:spPr>
+          <a:xfrm>
+            <a:off x="6323012" y="1934028"/>
+            <a:ext cx="4822566" cy="3657600"/>
+          </a:xfrm>
+          <a:prstGeom prst="roundRect">
+            <a:avLst>
+              <a:gd name="adj" fmla="val 1191"/>
+            </a:avLst>
+          </a:prstGeom>
+        </p:spPr>
+      </p:pic>
+    </p:spTree>
+    <p:extLst>
+      <p:ext uri="{BB962C8B-B14F-4D97-AF65-F5344CB8AC3E}">
+        <p14:creationId xmlns:p14="http://schemas.microsoft.com/office/powerpoint/2010/main" val="288220743"/>
+      </p:ext>
+    </p:extLst>
+  </p:cSld>
+  <p:clrMapOvr>
+    <a:masterClrMapping/>
+  </p:clrMapOvr>
+  <mc:AlternateContent xmlns:mc="http://schemas.openxmlformats.org/markup-compatibility/2006">
+    <mc:Choice xmlns:p14="http://schemas.microsoft.com/office/powerpoint/2010/main" Requires="p14">
+      <p:transition p14:dur="0"/>
+    </mc:Choice>
+    <mc:Fallback>
+      <p:transition/>
+    </mc:Fallback>
+  </mc:AlternateContent>
+</p:sld>
+</file>
+
+<file path=ppt/slides/slide18.xml><?xml version="1.0" encoding="utf-8"?>
+<p:sld xmlns:a="http://schemas.openxmlformats.org/drawingml/2006/main" xmlns:r="http://schemas.openxmlformats.org/officeDocument/2006/relationships" xmlns:p="http://schemas.openxmlformats.org/presentationml/2006/main">
+  <p:cSld>
+    <p:spTree>
+      <p:nvGrpSpPr>
+        <p:cNvPr id="1" name=""/>
+        <p:cNvGrpSpPr/>
+        <p:nvPr/>
+      </p:nvGrpSpPr>
+      <p:grpSpPr>
+        <a:xfrm>
+          <a:off x="0" y="0"/>
+          <a:ext cx="0" cy="0"/>
+          <a:chOff x="0" y="0"/>
+          <a:chExt cx="0" cy="0"/>
+        </a:xfrm>
+      </p:grpSpPr>
+      <p:sp>
+        <p:nvSpPr>
+          <p:cNvPr id="2" name="Slide Number Placeholder 1"/>
+          <p:cNvSpPr>
+            <a:spLocks noGrp="1"/>
+          </p:cNvSpPr>
+          <p:nvPr>
+            <p:ph type="sldNum" sz="quarter" idx="4"/>
+          </p:nvPr>
+        </p:nvSpPr>
+        <p:spPr/>
+        <p:txBody>
+          <a:bodyPr/>
+          <a:lstStyle/>
+          <a:p>
+            <a:fld id="{C014DD1E-5D91-48A3-AD6D-45FBA980D106}" type="slidenum">
+              <a:rPr lang="en-US" smtClean="0"/>
+              <a:pPr/>
+              <a:t>18</a:t>
+            </a:fld>
+            <a:endParaRPr lang="en-US" dirty="0"/>
+          </a:p>
+        </p:txBody>
+      </p:sp>
+      <p:sp>
+        <p:nvSpPr>
+          <p:cNvPr id="3" name="Content Placeholder 2"/>
+          <p:cNvSpPr>
+            <a:spLocks noGrp="1"/>
+          </p:cNvSpPr>
+          <p:nvPr>
+            <p:ph idx="1"/>
+          </p:nvPr>
+        </p:nvSpPr>
+        <p:spPr/>
+        <p:txBody>
+          <a:bodyPr/>
+          <a:lstStyle/>
+          <a:p>
+            <a:r>
+              <a:rPr lang="en-US" dirty="0" smtClean="0"/>
+              <a:t>Oracle SQL Developer supports database E/R diagrams</a:t>
+            </a:r>
+          </a:p>
+          <a:p>
+            <a:pPr lvl="1"/>
+            <a:r>
+              <a:rPr lang="en-US" dirty="0" smtClean="0"/>
+              <a:t>Use the </a:t>
+            </a:r>
+            <a:r>
+              <a:rPr lang="en-US" dirty="0" smtClean="0">
+                <a:solidFill>
+                  <a:schemeClr val="tx2">
+                    <a:lumMod val="75000"/>
+                  </a:schemeClr>
+                </a:solidFill>
+              </a:rPr>
+              <a:t>Data Modeler</a:t>
+            </a:r>
+            <a:r>
+              <a:rPr lang="en-US" dirty="0" smtClean="0"/>
+              <a:t> tool to reverse engineer a DB schema</a:t>
+            </a:r>
+          </a:p>
+          <a:p>
+            <a:endParaRPr lang="en-US" dirty="0"/>
+          </a:p>
+        </p:txBody>
+      </p:sp>
+      <p:sp>
+        <p:nvSpPr>
+          <p:cNvPr id="4" name="Title 3"/>
+          <p:cNvSpPr>
+            <a:spLocks noGrp="1"/>
+          </p:cNvSpPr>
+          <p:nvPr>
+            <p:ph type="title"/>
+          </p:nvPr>
+        </p:nvSpPr>
+        <p:spPr/>
+        <p:txBody>
+          <a:bodyPr/>
+          <a:lstStyle/>
+          <a:p>
+            <a:r>
+              <a:rPr lang="en-US" dirty="0" smtClean="0"/>
+              <a:t>Creating Database Diagrams</a:t>
+            </a:r>
+            <a:endParaRPr lang="en-US" dirty="0"/>
+          </a:p>
+        </p:txBody>
+      </p:sp>
+      <p:pic>
+        <p:nvPicPr>
+          <p:cNvPr id="5" name="Picture 4"/>
+          <p:cNvPicPr>
+            <a:picLocks noChangeAspect="1"/>
+          </p:cNvPicPr>
+          <p:nvPr/>
+        </p:nvPicPr>
+        <p:blipFill>
+          <a:blip r:embed="rId2"/>
+          <a:stretch>
+            <a:fillRect/>
+          </a:stretch>
+        </p:blipFill>
+        <p:spPr>
+          <a:xfrm>
+            <a:off x="652008" y="3190437"/>
+            <a:ext cx="4658375" cy="2715004"/>
+          </a:xfrm>
+          <a:prstGeom prst="rect">
+            <a:avLst/>
+          </a:prstGeom>
+        </p:spPr>
+      </p:pic>
+      <p:pic>
+        <p:nvPicPr>
+          <p:cNvPr id="7" name="Picture 6"/>
+          <p:cNvPicPr>
+            <a:picLocks noChangeAspect="1"/>
+          </p:cNvPicPr>
+          <p:nvPr/>
+        </p:nvPicPr>
+        <p:blipFill>
+          <a:blip r:embed="rId3"/>
+          <a:stretch>
+            <a:fillRect/>
+          </a:stretch>
+        </p:blipFill>
+        <p:spPr>
+          <a:xfrm>
+            <a:off x="5785384" y="2771279"/>
+            <a:ext cx="5734850" cy="3553321"/>
+          </a:xfrm>
+          <a:prstGeom prst="rect">
+            <a:avLst/>
+          </a:prstGeom>
+        </p:spPr>
+      </p:pic>
+    </p:spTree>
+    <p:extLst>
+      <p:ext uri="{BB962C8B-B14F-4D97-AF65-F5344CB8AC3E}">
+        <p14:creationId xmlns:p14="http://schemas.microsoft.com/office/powerpoint/2010/main" val="2503405724"/>
+      </p:ext>
+    </p:extLst>
+  </p:cSld>
+  <p:clrMapOvr>
+    <a:masterClrMapping/>
+  </p:clrMapOvr>
+  <mc:AlternateContent xmlns:mc="http://schemas.openxmlformats.org/markup-compatibility/2006">
+    <mc:Choice xmlns:p14="http://schemas.microsoft.com/office/powerpoint/2010/main" Requires="p14">
+      <p:transition p14:dur="0"/>
+    </mc:Choice>
+    <mc:Fallback>
+      <p:transition/>
+    </mc:Fallback>
+  </mc:AlternateContent>
+</p:sld>
+</file>
+
+<file path=ppt/slides/slide19.xml><?xml version="1.0" encoding="utf-8"?>
+<p:sld xmlns:a="http://schemas.openxmlformats.org/drawingml/2006/main" xmlns:r="http://schemas.openxmlformats.org/officeDocument/2006/relationships" xmlns:p="http://schemas.openxmlformats.org/presentationml/2006/main">
+  <p:cSld>
+    <p:spTree>
+      <p:nvGrpSpPr>
+        <p:cNvPr id="1" name=""/>
+        <p:cNvGrpSpPr/>
+        <p:nvPr/>
+      </p:nvGrpSpPr>
+      <p:grpSpPr>
+        <a:xfrm>
+          <a:off x="0" y="0"/>
+          <a:ext cx="0" cy="0"/>
+          <a:chOff x="0" y="0"/>
+          <a:chExt cx="0" cy="0"/>
+        </a:xfrm>
+      </p:grpSpPr>
+      <p:sp>
+        <p:nvSpPr>
+          <p:cNvPr id="2" name="Slide Number Placeholder 1"/>
+          <p:cNvSpPr>
+            <a:spLocks noGrp="1"/>
+          </p:cNvSpPr>
+          <p:nvPr>
+            <p:ph type="sldNum" sz="quarter" idx="4"/>
+          </p:nvPr>
+        </p:nvSpPr>
+        <p:spPr/>
+        <p:txBody>
+          <a:bodyPr/>
+          <a:lstStyle/>
+          <a:p>
+            <a:fld id="{C014DD1E-5D91-48A3-AD6D-45FBA980D106}" type="slidenum">
+              <a:rPr lang="en-US" smtClean="0"/>
+              <a:pPr/>
+              <a:t>19</a:t>
+            </a:fld>
+            <a:endParaRPr lang="en-US" dirty="0"/>
+          </a:p>
+        </p:txBody>
+      </p:sp>
+      <p:sp>
+        <p:nvSpPr>
+          <p:cNvPr id="4" name="Title 3"/>
+          <p:cNvSpPr>
+            <a:spLocks noGrp="1"/>
+          </p:cNvSpPr>
+          <p:nvPr>
+            <p:ph type="title"/>
+          </p:nvPr>
+        </p:nvSpPr>
+        <p:spPr/>
+        <p:txBody>
+          <a:bodyPr/>
+          <a:lstStyle/>
+          <a:p>
+            <a:r>
+              <a:rPr lang="en-US" dirty="0" smtClean="0"/>
+              <a:t>HR Schema – </a:t>
+            </a:r>
+            <a:r>
+              <a:rPr lang="en-US" smtClean="0"/>
+              <a:t>E/R Diagram</a:t>
+            </a:r>
+            <a:endParaRPr lang="en-US" dirty="0"/>
+          </a:p>
+        </p:txBody>
+      </p:sp>
+      <p:pic>
+        <p:nvPicPr>
+          <p:cNvPr id="5" name="Picture 4"/>
+          <p:cNvPicPr>
+            <a:picLocks noChangeAspect="1"/>
+          </p:cNvPicPr>
+          <p:nvPr/>
+        </p:nvPicPr>
+        <p:blipFill rotWithShape="1">
+          <a:blip r:embed="rId2" cstate="print">
+            <a:extLst>
+              <a:ext uri="{28A0092B-C50C-407E-A947-70E740481C1C}">
+                <a14:useLocalDpi xmlns:a14="http://schemas.microsoft.com/office/drawing/2010/main" val="0"/>
+              </a:ext>
+            </a:extLst>
+          </a:blip>
+          <a:srcRect l="627"/>
+          <a:stretch/>
+        </p:blipFill>
+        <p:spPr>
+          <a:xfrm>
+            <a:off x="1217612" y="1124403"/>
+            <a:ext cx="9815513" cy="5305425"/>
+          </a:xfrm>
+          <a:prstGeom prst="rect">
+            <a:avLst/>
+          </a:prstGeom>
+        </p:spPr>
+      </p:pic>
+    </p:spTree>
+    <p:extLst>
+      <p:ext uri="{BB962C8B-B14F-4D97-AF65-F5344CB8AC3E}">
+        <p14:creationId xmlns:p14="http://schemas.microsoft.com/office/powerpoint/2010/main" val="2466371098"/>
+      </p:ext>
+    </p:extLst>
+  </p:cSld>
+  <p:clrMapOvr>
+    <a:masterClrMapping/>
+  </p:clrMapOvr>
+  <mc:AlternateContent xmlns:mc="http://schemas.openxmlformats.org/markup-compatibility/2006">
+    <mc:Choice xmlns:p14="http://schemas.microsoft.com/office/powerpoint/2010/main" Requires="p14">
+      <p:transition p14:dur="0"/>
+    </mc:Choice>
+    <mc:Fallback>
+      <p:transition/>
+    </mc:Fallback>
+  </mc:AlternateContent>
+</p:sld>
+</file>
+
+<file path=ppt/slides/slide2.xml><?xml version="1.0" encoding="utf-8"?>
+<p:sld xmlns:a="http://schemas.openxmlformats.org/drawingml/2006/main" xmlns:r="http://schemas.openxmlformats.org/officeDocument/2006/relationships" xmlns:p="http://schemas.openxmlformats.org/presentationml/2006/main">
+  <p:cSld>
+    <p:spTree>
+      <p:nvGrpSpPr>
+        <p:cNvPr id="1" name=""/>
+        <p:cNvGrpSpPr/>
+        <p:nvPr/>
+      </p:nvGrpSpPr>
+      <p:grpSpPr>
+        <a:xfrm>
+          <a:off x="0" y="0"/>
+          <a:ext cx="0" cy="0"/>
+          <a:chOff x="0" y="0"/>
+          <a:chExt cx="0" cy="0"/>
+        </a:xfrm>
+      </p:grpSpPr>
+      <p:sp>
+        <p:nvSpPr>
+          <p:cNvPr id="2" name="Title 1"/>
+          <p:cNvSpPr>
+            <a:spLocks noGrp="1"/>
+          </p:cNvSpPr>
+          <p:nvPr>
+            <p:ph type="title"/>
+          </p:nvPr>
+        </p:nvSpPr>
+        <p:spPr>
+          <a:xfrm>
+            <a:off x="1446212" y="4876800"/>
+            <a:ext cx="8938472" cy="820600"/>
           </a:xfrm>
         </p:spPr>
         <p:txBody>
-          <a:bodyPr>
-            <a:noAutofit/>
-          </a:bodyPr>
+          <a:bodyPr/>
           <a:lstStyle/>
           <a:p>
-            <a:pPr>
-              <a:lnSpc>
-                <a:spcPct val="95000"/>
-              </a:lnSpc>
-            </a:pPr>
-            <a:r>
-              <a:rPr lang="en-US" sz="3200" dirty="0" smtClean="0"/>
-              <a:t>What is Oracle famous with?</a:t>
-            </a:r>
-          </a:p>
-          <a:p>
-            <a:pPr>
-              <a:lnSpc>
-                <a:spcPct val="95000"/>
-              </a:lnSpc>
-            </a:pPr>
-            <a:r>
-              <a:rPr lang="en-US" dirty="0" smtClean="0"/>
-              <a:t>Does it have a free version?</a:t>
-            </a:r>
-          </a:p>
-          <a:p>
-            <a:pPr>
-              <a:lnSpc>
-                <a:spcPct val="95000"/>
-              </a:lnSpc>
-            </a:pPr>
-            <a:r>
-              <a:rPr lang="en-US" dirty="0" smtClean="0"/>
-              <a:t>What is Oracle APEX?</a:t>
-            </a:r>
-          </a:p>
-          <a:p>
-            <a:pPr>
-              <a:lnSpc>
-                <a:spcPct val="95000"/>
-              </a:lnSpc>
-            </a:pPr>
-            <a:r>
-              <a:rPr lang="en-US" dirty="0" smtClean="0"/>
-              <a:t>What is Oracle SQL Developer?</a:t>
-            </a:r>
-          </a:p>
-          <a:p>
-            <a:pPr>
-              <a:lnSpc>
-                <a:spcPct val="95000"/>
-              </a:lnSpc>
-            </a:pPr>
-            <a:r>
-              <a:rPr lang="en-US" dirty="0" smtClean="0"/>
-              <a:t>How do we create a new user?</a:t>
-            </a:r>
-          </a:p>
-        </p:txBody>
-      </p:sp>
-      <p:sp>
-        <p:nvSpPr>
-          <p:cNvPr id="4" name="Title 3"/>
+            <a:r>
+              <a:rPr lang="en-US" dirty="0" smtClean="0">
+                <a:effectLst>
+                  <a:outerShdw blurRad="50800" dist="38100" algn="tr" rotWithShape="0">
+                    <a:prstClr val="black">
+                      <a:alpha val="40000"/>
+                    </a:prstClr>
+                  </a:outerShdw>
+                </a:effectLst>
+              </a:rPr>
+              <a:t>Oracle Database</a:t>
+            </a:r>
+            <a:endParaRPr lang="en-US" dirty="0"/>
+          </a:p>
+        </p:txBody>
+      </p:sp>
+      <p:sp>
+        <p:nvSpPr>
+          <p:cNvPr id="3" name="Subtitle 2"/>
           <p:cNvSpPr>
             <a:spLocks noGrp="1"/>
           </p:cNvSpPr>
           <p:nvPr>
-            <p:ph type="title"/>
-          </p:nvPr>
-        </p:nvSpPr>
-        <p:spPr/>
-        <p:txBody>
-          <a:bodyPr>
-            <a:normAutofit/>
-          </a:bodyPr>
+            <p:ph type="body" idx="1"/>
+          </p:nvPr>
+        </p:nvSpPr>
+        <p:spPr>
+          <a:xfrm>
+            <a:off x="1446212" y="5712544"/>
+            <a:ext cx="8938472" cy="688256"/>
+          </a:xfrm>
+        </p:spPr>
+        <p:txBody>
+          <a:bodyPr/>
           <a:lstStyle/>
           <a:p>
             <a:r>
-              <a:rPr lang="en-US" dirty="0" smtClean="0"/>
-              <a:t>Summary</a:t>
+              <a:rPr lang="en-US" dirty="0" smtClean="0">
+                <a:effectLst>
+                  <a:outerShdw blurRad="50800" dist="38100" algn="tr" rotWithShape="0">
+                    <a:prstClr val="black">
+                      <a:alpha val="40000"/>
+                    </a:prstClr>
+                  </a:outerShdw>
+                </a:effectLst>
+              </a:rPr>
+              <a:t>Overview</a:t>
             </a:r>
             <a:endParaRPr lang="en-US" dirty="0"/>
           </a:p>
@@ -4773,14 +7486,14 @@
       </p:sp>
       <p:pic>
         <p:nvPicPr>
-          <p:cNvPr id="11" name="Picture 4" descr="D:\_WORK PROJECTS\Nakov\Presentation Slides Design\Question Summary Slide\Store\minions summary copy.png"/>
+          <p:cNvPr id="2050" name="Picture 2" descr="http://i1-news.softpedia-static.com/images/news2/Oracle-s-Critical-Patch-Update-Fixes-169-Security-Bugs-470719-2.jpg"/>
           <p:cNvPicPr>
             <a:picLocks noChangeAspect="1" noChangeArrowheads="1"/>
           </p:cNvPicPr>
           <p:nvPr/>
         </p:nvPicPr>
         <p:blipFill>
-          <a:blip r:embed="rId3" cstate="print">
+          <a:blip r:embed="rId2">
             <a:extLst>
               <a:ext uri="{28A0092B-C50C-407E-A947-70E740481C1C}">
                 <a14:useLocalDpi xmlns:a14="http://schemas.microsoft.com/office/drawing/2010/main" val="0"/>
@@ -4794,15 +7507,218 @@
         </p:blipFill>
         <p:spPr bwMode="auto">
           <a:xfrm>
-            <a:off x="9142412" y="1668817"/>
-            <a:ext cx="2438400" cy="2438400"/>
+            <a:off x="1446212" y="1720825"/>
+            <a:ext cx="8938472" cy="2778176"/>
           </a:xfrm>
-          <a:prstGeom prst="rect">
-            <a:avLst/>
+          <a:prstGeom prst="roundRect">
+            <a:avLst>
+              <a:gd name="adj" fmla="val 1516"/>
+            </a:avLst>
           </a:prstGeom>
           <a:noFill/>
+          <a:extLst>
+            <a:ext uri="{909E8E84-426E-40DD-AFC4-6F175D3DCCD1}">
+              <a14:hiddenFill xmlns:a14="http://schemas.microsoft.com/office/drawing/2010/main">
+                <a:solidFill>
+                  <a:srgbClr val="FFFFFF"/>
+                </a:solidFill>
+              </a14:hiddenFill>
+            </a:ext>
+          </a:extLst>
         </p:spPr>
       </p:pic>
+    </p:spTree>
+    <p:extLst>
+      <p:ext uri="{BB962C8B-B14F-4D97-AF65-F5344CB8AC3E}">
+        <p14:creationId xmlns:p14="http://schemas.microsoft.com/office/powerpoint/2010/main" val="2598491028"/>
+      </p:ext>
+    </p:extLst>
+  </p:cSld>
+  <p:clrMapOvr>
+    <a:masterClrMapping/>
+  </p:clrMapOvr>
+  <mc:AlternateContent xmlns:mc="http://schemas.openxmlformats.org/markup-compatibility/2006" xmlns:p14="http://schemas.microsoft.com/office/powerpoint/2010/main">
+    <mc:Choice Requires="p14">
+      <p:transition p14:dur="0"/>
+    </mc:Choice>
+    <mc:Fallback xmlns="">
+      <p:transition/>
+    </mc:Fallback>
+  </mc:AlternateContent>
+  <p:timing>
+    <p:tnLst>
+      <p:par>
+        <p:cTn id="1" dur="indefinite" restart="never" nodeType="tmRoot"/>
+      </p:par>
+    </p:tnLst>
+  </p:timing>
+</p:sld>
+</file>
+
+<file path=ppt/slides/slide20.xml><?xml version="1.0" encoding="utf-8"?>
+<p:sld xmlns:a="http://schemas.openxmlformats.org/drawingml/2006/main" xmlns:r="http://schemas.openxmlformats.org/officeDocument/2006/relationships" xmlns:p="http://schemas.openxmlformats.org/presentationml/2006/main">
+  <p:cSld>
+    <p:spTree>
+      <p:nvGrpSpPr>
+        <p:cNvPr id="1" name=""/>
+        <p:cNvGrpSpPr/>
+        <p:nvPr/>
+      </p:nvGrpSpPr>
+      <p:grpSpPr>
+        <a:xfrm>
+          <a:off x="0" y="0"/>
+          <a:ext cx="0" cy="0"/>
+          <a:chOff x="0" y="0"/>
+          <a:chExt cx="0" cy="0"/>
+        </a:xfrm>
+      </p:grpSpPr>
+      <p:sp>
+        <p:nvSpPr>
+          <p:cNvPr id="6" name="Slide Number Placeholder 5"/>
+          <p:cNvSpPr>
+            <a:spLocks noGrp="1"/>
+          </p:cNvSpPr>
+          <p:nvPr>
+            <p:ph type="sldNum" sz="quarter" idx="4"/>
+          </p:nvPr>
+        </p:nvSpPr>
+        <p:spPr/>
+        <p:txBody>
+          <a:bodyPr/>
+          <a:lstStyle/>
+          <a:p>
+            <a:fld id="{C014DD1E-5D91-48A3-AD6D-45FBA980D106}" type="slidenum">
+              <a:rPr lang="en-US" smtClean="0"/>
+              <a:pPr/>
+              <a:t>20</a:t>
+            </a:fld>
+            <a:endParaRPr lang="en-US" dirty="0"/>
+          </a:p>
+        </p:txBody>
+      </p:sp>
+      <p:sp>
+        <p:nvSpPr>
+          <p:cNvPr id="5" name="Content Placeholder 4"/>
+          <p:cNvSpPr>
+            <a:spLocks noGrp="1"/>
+          </p:cNvSpPr>
+          <p:nvPr>
+            <p:ph idx="1"/>
+          </p:nvPr>
+        </p:nvSpPr>
+        <p:spPr>
+          <a:xfrm>
+            <a:off x="190412" y="1151121"/>
+            <a:ext cx="11804821" cy="5570355"/>
+          </a:xfrm>
+        </p:spPr>
+        <p:txBody>
+          <a:bodyPr>
+            <a:noAutofit/>
+          </a:bodyPr>
+          <a:lstStyle/>
+          <a:p>
+            <a:r>
+              <a:rPr lang="en-US" sz="3200" dirty="0" smtClean="0"/>
+              <a:t>What is Oracle </a:t>
+            </a:r>
+            <a:r>
+              <a:rPr lang="en-US" sz="3200" dirty="0" smtClean="0"/>
+              <a:t>DB famous </a:t>
+            </a:r>
+            <a:r>
+              <a:rPr lang="en-US" sz="3200" dirty="0" smtClean="0"/>
+              <a:t>with?</a:t>
+            </a:r>
+          </a:p>
+          <a:p>
+            <a:r>
+              <a:rPr lang="en-US" dirty="0" smtClean="0"/>
+              <a:t>Does it have a free version?</a:t>
+            </a:r>
+          </a:p>
+          <a:p>
+            <a:r>
+              <a:rPr lang="en-US" dirty="0" smtClean="0"/>
+              <a:t>What is Oracle APEX?</a:t>
+            </a:r>
+          </a:p>
+          <a:p>
+            <a:r>
+              <a:rPr lang="en-US" dirty="0" smtClean="0"/>
+              <a:t>What is Oracle SQL Developer?</a:t>
+            </a:r>
+          </a:p>
+          <a:p>
+            <a:r>
+              <a:rPr lang="en-US" dirty="0" smtClean="0"/>
+              <a:t>How do we create a new </a:t>
+            </a:r>
+            <a:r>
+              <a:rPr lang="en-US" dirty="0" smtClean="0"/>
+              <a:t>user i</a:t>
+            </a:r>
+            <a:r>
+              <a:rPr lang="en-US" dirty="0" smtClean="0"/>
+              <a:t>n Oracle</a:t>
+            </a:r>
+            <a:r>
+              <a:rPr lang="en-US" dirty="0" smtClean="0"/>
+              <a:t>?</a:t>
+            </a:r>
+          </a:p>
+          <a:p>
+            <a:r>
+              <a:rPr lang="en-US" dirty="0" smtClean="0"/>
+              <a:t>Do you know some Oracle specifics</a:t>
+            </a:r>
+            <a:r>
+              <a:rPr lang="bg-BG" dirty="0" smtClean="0"/>
+              <a:t>?</a:t>
+            </a:r>
+            <a:endParaRPr lang="en-US" dirty="0" smtClean="0"/>
+          </a:p>
+          <a:p>
+            <a:r>
+              <a:rPr lang="en-US" dirty="0" smtClean="0"/>
+              <a:t>How do we create DB diagram from</a:t>
+            </a:r>
+            <a:br>
+              <a:rPr lang="en-US" dirty="0" smtClean="0"/>
+            </a:br>
+            <a:r>
+              <a:rPr lang="en-US" dirty="0" smtClean="0"/>
+              <a:t>existing database in Oracle SQL Developer?</a:t>
+            </a:r>
+            <a:endParaRPr lang="en-US" dirty="0" smtClean="0"/>
+          </a:p>
+        </p:txBody>
+      </p:sp>
+      <p:sp>
+        <p:nvSpPr>
+          <p:cNvPr id="4" name="Title 3"/>
+          <p:cNvSpPr>
+            <a:spLocks noGrp="1"/>
+          </p:cNvSpPr>
+          <p:nvPr>
+            <p:ph type="title"/>
+          </p:nvPr>
+        </p:nvSpPr>
+        <p:spPr/>
+        <p:txBody>
+          <a:bodyPr>
+            <a:normAutofit/>
+          </a:bodyPr>
+          <a:lstStyle/>
+          <a:p>
+            <a:r>
+              <a:rPr lang="en-US" dirty="0" smtClean="0"/>
+              <a:t>Summary</a:t>
+            </a:r>
+            <a:endParaRPr lang="en-US" dirty="0"/>
+          </a:p>
+        </p:txBody>
+      </p:sp>
       <p:grpSp>
         <p:nvGrpSpPr>
           <p:cNvPr id="7" name="Group 6"/>
@@ -4811,7 +7727,7 @@
         </p:nvGrpSpPr>
         <p:grpSpPr>
           <a:xfrm>
-            <a:off x="8575026" y="4315475"/>
+            <a:off x="8556882" y="4801703"/>
             <a:ext cx="3081986" cy="1628125"/>
             <a:chOff x="998778" y="2709000"/>
             <a:chExt cx="7687634" cy="3510730"/>
@@ -4826,7 +7742,7 @@
             <p:nvPr/>
           </p:nvPicPr>
           <p:blipFill>
-            <a:blip r:embed="rId4" cstate="screen">
+            <a:blip r:embed="rId3" cstate="screen">
               <a:duotone>
                 <a:prstClr val="black"/>
                 <a:schemeClr val="accent1">
@@ -4939,43 +7855,32 @@
       </p:grpSp>
       <p:pic>
         <p:nvPicPr>
-          <p:cNvPr id="9" name="Picture 2" descr="db, status icon"/>
+          <p:cNvPr id="12" name="Picture 11"/>
           <p:cNvPicPr>
-            <a:picLocks noChangeAspect="1" noChangeArrowheads="1"/>
+            <a:picLocks noChangeAspect="1"/>
           </p:cNvPicPr>
           <p:nvPr/>
         </p:nvPicPr>
         <p:blipFill>
-          <a:blip r:embed="rId5">
+          <a:blip r:embed="rId4">
             <a:extLst>
               <a:ext uri="{28A0092B-C50C-407E-A947-70E740481C1C}">
                 <a14:useLocalDpi xmlns:a14="http://schemas.microsoft.com/office/drawing/2010/main" val="0"/>
               </a:ext>
             </a:extLst>
           </a:blip>
-          <a:srcRect/>
           <a:stretch>
             <a:fillRect/>
           </a:stretch>
         </p:blipFill>
-        <p:spPr bwMode="auto">
+        <p:spPr>
           <a:xfrm>
-            <a:off x="8294086" y="838200"/>
-            <a:ext cx="1381726" cy="1364017"/>
+            <a:off x="7447868" y="1348718"/>
+            <a:ext cx="4114800" cy="3052628"/>
           </a:xfrm>
           <a:prstGeom prst="rect">
             <a:avLst/>
           </a:prstGeom>
-          <a:noFill/>
-          <a:extLst>
-            <a:ext uri="{909E8E84-426E-40DD-AFC4-6F175D3DCCD1}">
-              <a14:hiddenFill xmlns:a14="http://schemas.microsoft.com/office/drawing/2010/main">
-                <a:solidFill>
-                  <a:srgbClr val="FFFFFF"/>
-                </a:solidFill>
-              </a14:hiddenFill>
-            </a:ext>
-          </a:extLst>
         </p:spPr>
       </p:pic>
     </p:spTree>
@@ -5006,7 +7911,7 @@
 </p:sld>
 </file>
 
-<file path=ppt/slides/slide12.xml><?xml version="1.0" encoding="utf-8"?>
+<file path=ppt/slides/slide21.xml><?xml version="1.0" encoding="utf-8"?>
 <p:sld xmlns:a="http://schemas.openxmlformats.org/drawingml/2006/main" xmlns:r="http://schemas.openxmlformats.org/officeDocument/2006/relationships" xmlns:p="http://schemas.openxmlformats.org/presentationml/2006/main">
   <p:cSld>
     <p:spTree>
@@ -5363,7 +8268,7 @@
 </p:sld>
 </file>
 
-<file path=ppt/slides/slide13.xml><?xml version="1.0" encoding="utf-8"?>
+<file path=ppt/slides/slide22.xml><?xml version="1.0" encoding="utf-8"?>
 <p:sld xmlns:a="http://schemas.openxmlformats.org/drawingml/2006/main" xmlns:r="http://schemas.openxmlformats.org/officeDocument/2006/relationships" xmlns:p="http://schemas.openxmlformats.org/presentationml/2006/main">
   <p:cSld>
     <p:spTree>
@@ -5513,7 +8418,7 @@
             <a:fld id="{C014DD1E-5D91-48A3-AD6D-45FBA980D106}" type="slidenum">
               <a:rPr lang="en-US" smtClean="0"/>
               <a:pPr/>
-              <a:t>13</a:t>
+              <a:t>22</a:t>
             </a:fld>
             <a:endParaRPr lang="en-US" dirty="0"/>
           </a:p>
@@ -5672,7 +8577,7 @@
 </p:sld>
 </file>
 
-<file path=ppt/slides/slide14.xml><?xml version="1.0" encoding="utf-8"?>
+<file path=ppt/slides/slide23.xml><?xml version="1.0" encoding="utf-8"?>
 <p:sld xmlns:a="http://schemas.openxmlformats.org/drawingml/2006/main" xmlns:r="http://schemas.openxmlformats.org/officeDocument/2006/relationships" xmlns:p="http://schemas.openxmlformats.org/presentationml/2006/main">
   <p:cSld>
     <p:spTree>
@@ -6134,164 +9039,6 @@
 </p:sld>
 </file>
 
-<file path=ppt/slides/slide2.xml><?xml version="1.0" encoding="utf-8"?>
-<p:sld xmlns:a="http://schemas.openxmlformats.org/drawingml/2006/main" xmlns:r="http://schemas.openxmlformats.org/officeDocument/2006/relationships" xmlns:p="http://schemas.openxmlformats.org/presentationml/2006/main">
-  <p:cSld>
-    <p:spTree>
-      <p:nvGrpSpPr>
-        <p:cNvPr id="1" name=""/>
-        <p:cNvGrpSpPr/>
-        <p:nvPr/>
-      </p:nvGrpSpPr>
-      <p:grpSpPr>
-        <a:xfrm>
-          <a:off x="0" y="0"/>
-          <a:ext cx="0" cy="0"/>
-          <a:chOff x="0" y="0"/>
-          <a:chExt cx="0" cy="0"/>
-        </a:xfrm>
-      </p:grpSpPr>
-      <p:sp>
-        <p:nvSpPr>
-          <p:cNvPr id="2" name="Title 1"/>
-          <p:cNvSpPr>
-            <a:spLocks noGrp="1"/>
-          </p:cNvSpPr>
-          <p:nvPr>
-            <p:ph type="title"/>
-          </p:nvPr>
-        </p:nvSpPr>
-        <p:spPr>
-          <a:xfrm>
-            <a:off x="1446212" y="4876800"/>
-            <a:ext cx="8938472" cy="820600"/>
-          </a:xfrm>
-        </p:spPr>
-        <p:txBody>
-          <a:bodyPr/>
-          <a:lstStyle/>
-          <a:p>
-            <a:r>
-              <a:rPr lang="en-US" dirty="0" smtClean="0">
-                <a:effectLst>
-                  <a:outerShdw blurRad="50800" dist="38100" algn="tr" rotWithShape="0">
-                    <a:prstClr val="black">
-                      <a:alpha val="40000"/>
-                    </a:prstClr>
-                  </a:outerShdw>
-                </a:effectLst>
-              </a:rPr>
-              <a:t>Oracle Database</a:t>
-            </a:r>
-            <a:endParaRPr lang="en-US" dirty="0"/>
-          </a:p>
-        </p:txBody>
-      </p:sp>
-      <p:sp>
-        <p:nvSpPr>
-          <p:cNvPr id="3" name="Subtitle 2"/>
-          <p:cNvSpPr>
-            <a:spLocks noGrp="1"/>
-          </p:cNvSpPr>
-          <p:nvPr>
-            <p:ph type="body" idx="1"/>
-          </p:nvPr>
-        </p:nvSpPr>
-        <p:spPr>
-          <a:xfrm>
-            <a:off x="1446212" y="5712544"/>
-            <a:ext cx="8938472" cy="688256"/>
-          </a:xfrm>
-        </p:spPr>
-        <p:txBody>
-          <a:bodyPr/>
-          <a:lstStyle/>
-          <a:p>
-            <a:r>
-              <a:rPr lang="en-US" dirty="0" smtClean="0">
-                <a:effectLst>
-                  <a:outerShdw blurRad="50800" dist="38100" algn="tr" rotWithShape="0">
-                    <a:prstClr val="black">
-                      <a:alpha val="40000"/>
-                    </a:prstClr>
-                  </a:outerShdw>
-                </a:effectLst>
-              </a:rPr>
-              <a:t>Overview</a:t>
-            </a:r>
-            <a:endParaRPr lang="en-US" dirty="0"/>
-          </a:p>
-        </p:txBody>
-      </p:sp>
-      <p:pic>
-        <p:nvPicPr>
-          <p:cNvPr id="2050" name="Picture 2" descr="http://i1-news.softpedia-static.com/images/news2/Oracle-s-Critical-Patch-Update-Fixes-169-Security-Bugs-470719-2.jpg"/>
-          <p:cNvPicPr>
-            <a:picLocks noChangeAspect="1" noChangeArrowheads="1"/>
-          </p:cNvPicPr>
-          <p:nvPr/>
-        </p:nvPicPr>
-        <p:blipFill>
-          <a:blip r:embed="rId2">
-            <a:extLst>
-              <a:ext uri="{28A0092B-C50C-407E-A947-70E740481C1C}">
-                <a14:useLocalDpi xmlns:a14="http://schemas.microsoft.com/office/drawing/2010/main" val="0"/>
-              </a:ext>
-            </a:extLst>
-          </a:blip>
-          <a:srcRect/>
-          <a:stretch>
-            <a:fillRect/>
-          </a:stretch>
-        </p:blipFill>
-        <p:spPr bwMode="auto">
-          <a:xfrm>
-            <a:off x="1446212" y="1720825"/>
-            <a:ext cx="8938472" cy="2778176"/>
-          </a:xfrm>
-          <a:prstGeom prst="rect">
-            <a:avLst/>
-          </a:prstGeom>
-          <a:noFill/>
-          <a:extLst>
-            <a:ext uri="{909E8E84-426E-40DD-AFC4-6F175D3DCCD1}">
-              <a14:hiddenFill xmlns:a14="http://schemas.microsoft.com/office/drawing/2010/main">
-                <a:solidFill>
-                  <a:srgbClr val="FFFFFF"/>
-                </a:solidFill>
-              </a14:hiddenFill>
-            </a:ext>
-          </a:extLst>
-        </p:spPr>
-      </p:pic>
-    </p:spTree>
-    <p:extLst>
-      <p:ext uri="{BB962C8B-B14F-4D97-AF65-F5344CB8AC3E}">
-        <p14:creationId xmlns:p14="http://schemas.microsoft.com/office/powerpoint/2010/main" val="2598491028"/>
-      </p:ext>
-    </p:extLst>
-  </p:cSld>
-  <p:clrMapOvr>
-    <a:masterClrMapping/>
-  </p:clrMapOvr>
-  <mc:AlternateContent xmlns:mc="http://schemas.openxmlformats.org/markup-compatibility/2006" xmlns:p14="http://schemas.microsoft.com/office/powerpoint/2010/main">
-    <mc:Choice Requires="p14">
-      <p:transition p14:dur="0"/>
-    </mc:Choice>
-    <mc:Fallback xmlns="">
-      <p:transition/>
-    </mc:Fallback>
-  </mc:AlternateContent>
-  <p:timing>
-    <p:tnLst>
-      <p:par>
-        <p:cTn id="1" dur="indefinite" restart="never" nodeType="tmRoot"/>
-      </p:par>
-    </p:tnLst>
-  </p:timing>
-</p:sld>
-</file>
-
 <file path=ppt/slides/slide3.xml><?xml version="1.0" encoding="utf-8"?>
 <p:sld xmlns:a="http://schemas.openxmlformats.org/drawingml/2006/main" xmlns:r="http://schemas.openxmlformats.org/officeDocument/2006/relationships" xmlns:p="http://schemas.openxmlformats.org/presentationml/2006/main">
   <p:cSld>
@@ -6393,7 +9140,6 @@
               <a:rPr lang="en-US" dirty="0" smtClean="0"/>
               <a:t>Powers big organizations, e.g. the financial sector</a:t>
             </a:r>
-            <a:endParaRPr lang="en-US" dirty="0" smtClean="0"/>
           </a:p>
           <a:p>
             <a:pPr lvl="1"/>
@@ -6416,36 +9162,39 @@
               <a:rPr lang="en-US" dirty="0" smtClean="0"/>
               <a:t>Supports everything from the DB world</a:t>
             </a:r>
-            <a:endParaRPr lang="en-US" dirty="0" smtClean="0"/>
           </a:p>
           <a:p>
             <a:pPr lvl="2"/>
             <a:r>
               <a:rPr lang="en-US" dirty="0" smtClean="0"/>
-              <a:t>Transactions, stored </a:t>
-            </a:r>
-            <a:r>
-              <a:rPr lang="en-US" dirty="0" smtClean="0"/>
-              <a:t>procedures, </a:t>
-            </a:r>
-            <a:r>
-              <a:rPr lang="en-US" dirty="0" smtClean="0"/>
-              <a:t>big data, cloud, …</a:t>
-            </a:r>
-            <a:endParaRPr lang="en-US" dirty="0" smtClean="0"/>
+              <a:t>Transactions, stored procedures, big data, cloud, …</a:t>
+            </a:r>
           </a:p>
           <a:p>
             <a:r>
               <a:rPr lang="en-US" sz="3500" dirty="0" smtClean="0"/>
               <a:t>Very expensive, for big players only</a:t>
             </a:r>
-            <a:endParaRPr lang="en-US" sz="3500" dirty="0" smtClean="0"/>
           </a:p>
           <a:p>
             <a:pPr lvl="1"/>
             <a:r>
               <a:rPr lang="en-US" dirty="0" smtClean="0"/>
-              <a:t>Has a free version (Expression Edition – XE)</a:t>
+              <a:t>Has a free version (</a:t>
+            </a:r>
+            <a:r>
+              <a:rPr lang="en-US" dirty="0" smtClean="0">
+                <a:solidFill>
+                  <a:schemeClr val="tx2">
+                    <a:lumMod val="75000"/>
+                  </a:schemeClr>
+                </a:solidFill>
+              </a:rPr>
+              <a:t>Expression Edition </a:t>
+            </a:r>
+            <a:r>
+              <a:rPr lang="en-US" dirty="0" smtClean="0"/>
+              <a:t>– XE)</a:t>
             </a:r>
             <a:endParaRPr lang="en-US" dirty="0"/>
           </a:p>
@@ -6472,11 +9221,7 @@
           <a:p>
             <a:r>
               <a:rPr lang="en-US" dirty="0" smtClean="0"/>
-              <a:t>What is </a:t>
-            </a:r>
-            <a:r>
-              <a:rPr lang="en-US" dirty="0" smtClean="0"/>
-              <a:t>Oracle Database?</a:t>
+              <a:t>What is Oracle Database?</a:t>
             </a:r>
             <a:endParaRPr lang="bg-BG" dirty="0"/>
           </a:p>
@@ -6683,15 +9428,7 @@
             </a:r>
             <a:r>
               <a:rPr lang="fr-FR" dirty="0"/>
-              <a:t>Express </a:t>
-            </a:r>
-            <a:r>
-              <a:rPr lang="fr-FR" dirty="0"/>
-              <a:t>Edition (XE</a:t>
-            </a:r>
-            <a:r>
-              <a:rPr lang="fr-FR" dirty="0"/>
-              <a:t>)</a:t>
+              <a:t>Express Edition (XE)</a:t>
             </a:r>
           </a:p>
           <a:p>
@@ -6715,7 +9452,6 @@
               <a:rPr lang="en-US" dirty="0" smtClean="0"/>
               <a:t>1 CPU, 1 GB RAM, 11 GB storage</a:t>
             </a:r>
-            <a:endParaRPr lang="en-US" dirty="0" smtClean="0"/>
           </a:p>
           <a:p>
             <a:pPr>
@@ -6745,13 +9481,7 @@
               <a:rPr lang="en-US" dirty="0" smtClean="0">
                 <a:hlinkClick r:id="rId2"/>
               </a:rPr>
-              <a:t>Oracle </a:t>
-            </a:r>
-            <a:r>
-              <a:rPr lang="en-US" dirty="0" smtClean="0">
-                <a:hlinkClick r:id="rId2"/>
-              </a:rPr>
-              <a:t>Database XE</a:t>
+              <a:t>Oracle Database XE</a:t>
             </a:r>
             <a:r>
               <a:rPr lang="en-US" dirty="0" smtClean="0"/>
@@ -6888,8 +9618,8 @@
         </p:blipFill>
         <p:spPr bwMode="auto">
           <a:xfrm>
-            <a:off x="7389812" y="1600200"/>
-            <a:ext cx="3989185" cy="3049160"/>
+            <a:off x="7313612" y="1524000"/>
+            <a:ext cx="4286742" cy="3276600"/>
           </a:xfrm>
           <a:prstGeom prst="rect">
             <a:avLst/>
@@ -7062,8 +9792,13 @@
             </a:pPr>
             <a:r>
               <a:rPr lang="en-US" dirty="0" smtClean="0"/>
-              <a:t>The core of the Oracle database</a:t>
-            </a:r>
+              <a:t>The core of the Oracle </a:t>
+            </a:r>
+            <a:r>
+              <a:rPr lang="en-US" dirty="0" smtClean="0"/>
+              <a:t>database engine</a:t>
+            </a:r>
+            <a:endParaRPr lang="en-US" dirty="0" smtClean="0"/>
           </a:p>
           <a:p>
             <a:pPr lvl="1">
@@ -7155,7 +9890,15 @@
             </a:r>
             <a:r>
               <a:rPr lang="en-US" dirty="0" smtClean="0"/>
-              <a:t>" DB administration interface (APEX)</a:t>
+              <a:t>" </a:t>
+            </a:r>
+            <a:r>
+              <a:rPr lang="en-US" dirty="0" smtClean="0"/>
+              <a:t>Web interface </a:t>
+            </a:r>
+            <a:r>
+              <a:rPr lang="en-US" dirty="0" smtClean="0"/>
+              <a:t>(APEX)</a:t>
             </a:r>
           </a:p>
           <a:p>
@@ -7233,11 +9976,11 @@
   <p:clrMapOvr>
     <a:masterClrMapping/>
   </p:clrMapOvr>
-  <mc:AlternateContent xmlns:mc="http://schemas.openxmlformats.org/markup-compatibility/2006">
-    <mc:Choice xmlns:p14="http://schemas.microsoft.com/office/powerpoint/2010/main" Requires="p14">
+  <mc:AlternateContent xmlns:mc="http://schemas.openxmlformats.org/markup-compatibility/2006" xmlns:p14="http://schemas.microsoft.com/office/powerpoint/2010/main">
+    <mc:Choice Requires="p14">
       <p:transition p14:dur="0"/>
     </mc:Choice>
-    <mc:Fallback>
+    <mc:Fallback xmlns="">
       <p:transition/>
     </mc:Fallback>
   </mc:AlternateContent>
@@ -7297,10 +10040,15 @@
         </p:nvSpPr>
         <p:spPr/>
         <p:txBody>
-          <a:bodyPr/>
+          <a:bodyPr>
+            <a:normAutofit/>
+          </a:bodyPr>
           <a:lstStyle/>
           <a:p>
             <a:pPr marL="304747" lvl="1" indent="-304747">
+              <a:lnSpc>
+                <a:spcPct val="100000"/>
+              </a:lnSpc>
               <a:buClr>
                 <a:srgbClr val="F2B254"/>
               </a:buClr>
@@ -7329,11 +10077,39 @@
             <a:endParaRPr lang="en-US" dirty="0"/>
           </a:p>
           <a:p>
-            <a:pPr lvl="1"/>
-            <a:r>
-              <a:rPr lang="en-US" dirty="0" smtClean="0"/>
-              <a:t>Web-based application for SQL developers &amp; administration tool</a:t>
-            </a:r>
+            <a:pPr lvl="1">
+              <a:lnSpc>
+                <a:spcPct val="100000"/>
+              </a:lnSpc>
+            </a:pPr>
+            <a:r>
+              <a:rPr lang="en-US" sz="3000" dirty="0" smtClean="0"/>
+              <a:t>Design</a:t>
+            </a:r>
+            <a:r>
+              <a:rPr lang="en-US" sz="3000" dirty="0"/>
+              <a:t>, develop </a:t>
+            </a:r>
+            <a:r>
+              <a:rPr lang="en-US" sz="3000" dirty="0" smtClean="0"/>
+              <a:t>and deploy database-driven Web applications</a:t>
+            </a:r>
+          </a:p>
+          <a:p>
+            <a:pPr lvl="1">
+              <a:lnSpc>
+                <a:spcPct val="100000"/>
+              </a:lnSpc>
+            </a:pPr>
+            <a:r>
+              <a:rPr lang="en-US" sz="3000" dirty="0"/>
+              <a:t>Web-based tool for SQL developers &amp; </a:t>
+            </a:r>
+            <a:r>
+              <a:rPr lang="en-US" sz="3000" dirty="0" smtClean="0"/>
+              <a:t>administrators</a:t>
+            </a:r>
+            <a:endParaRPr lang="en-US" sz="3000" dirty="0" smtClean="0"/>
           </a:p>
         </p:txBody>
       </p:sp>
@@ -7382,8 +10158,8 @@
         </p:blipFill>
         <p:spPr>
           <a:xfrm>
-            <a:off x="2205036" y="2671330"/>
-            <a:ext cx="7775576" cy="3744946"/>
+            <a:off x="2662236" y="3172456"/>
+            <a:ext cx="6861176" cy="3304544"/>
           </a:xfrm>
           <a:prstGeom prst="rect">
             <a:avLst/>
@@ -7400,14 +10176,21 @@
   <p:clrMapOvr>
     <a:masterClrMapping/>
   </p:clrMapOvr>
-  <mc:AlternateContent xmlns:mc="http://schemas.openxmlformats.org/markup-compatibility/2006">
-    <mc:Choice xmlns:p14="http://schemas.microsoft.com/office/powerpoint/2010/main" Requires="p14">
+  <mc:AlternateContent xmlns:mc="http://schemas.openxmlformats.org/markup-compatibility/2006" xmlns:p14="http://schemas.microsoft.com/office/powerpoint/2010/main">
+    <mc:Choice Requires="p14">
       <p:transition p14:dur="0"/>
     </mc:Choice>
-    <mc:Fallback>
+    <mc:Fallback xmlns="">
       <p:transition/>
     </mc:Fallback>
   </mc:AlternateContent>
+  <p:timing>
+    <p:tnLst>
+      <p:par>
+        <p:cTn id="1" dur="indefinite" restart="never" nodeType="tmRoot"/>
+      </p:par>
+    </p:tnLst>
+  </p:timing>
 </p:sld>
 </file>
 
@@ -7469,12 +10252,32 @@
           <a:p>
             <a:r>
               <a:rPr lang="en-US" dirty="0" smtClean="0"/>
-              <a:t>Oracle SQL Developer is database GUI client tool for managing Oracle databases</a:t>
-            </a:r>
-          </a:p>
-          <a:p>
-            <a:pPr lvl="1"/>
+              <a:t>Login as admin in Oracle Application Express (APEX)</a:t>
+            </a:r>
+          </a:p>
+          <a:p>
             <a:endParaRPr lang="en-US" dirty="0"/>
+          </a:p>
+          <a:p>
+            <a:endParaRPr lang="en-US" dirty="0" smtClean="0"/>
+          </a:p>
+          <a:p>
+            <a:endParaRPr lang="en-US" dirty="0"/>
+          </a:p>
+          <a:p>
+            <a:endParaRPr lang="en-US" dirty="0" smtClean="0"/>
+          </a:p>
+          <a:p>
+            <a:r>
+              <a:rPr lang="en-US" dirty="0" smtClean="0"/>
+              <a:t>Create workspaces</a:t>
+            </a:r>
+          </a:p>
+          <a:p>
+            <a:r>
+              <a:rPr lang="en-US" dirty="0" smtClean="0"/>
+              <a:t>Manage workspace users</a:t>
+            </a:r>
           </a:p>
         </p:txBody>
       </p:sp>
@@ -7494,8 +10297,12 @@
           <a:lstStyle/>
           <a:p>
             <a:r>
-              <a:rPr lang="en-US" dirty="0" smtClean="0"/>
-              <a:t>Oracle SQL Developer</a:t>
+              <a:rPr lang="en-US" dirty="0"/>
+              <a:t>Oracle Application Express (APEX</a:t>
+            </a:r>
+            <a:r>
+              <a:rPr lang="en-US" dirty="0" smtClean="0"/>
+              <a:t>) – Admin</a:t>
             </a:r>
             <a:endParaRPr lang="en-US" dirty="0"/>
           </a:p>
@@ -7503,7 +10310,7 @@
       </p:sp>
       <p:pic>
         <p:nvPicPr>
-          <p:cNvPr id="5" name="Picture 4"/>
+          <p:cNvPr id="12" name="Picture 11"/>
           <p:cNvPicPr>
             <a:picLocks noChangeAspect="1"/>
           </p:cNvPicPr>
@@ -7517,18 +10324,46 @@
         </p:blipFill>
         <p:spPr>
           <a:xfrm>
-            <a:off x="2284412" y="2514600"/>
-            <a:ext cx="7353300" cy="3914775"/>
+            <a:off x="684212" y="1981200"/>
+            <a:ext cx="5544324" cy="2362530"/>
           </a:xfrm>
-          <a:prstGeom prst="rect">
-            <a:avLst/>
+          <a:prstGeom prst="roundRect">
+            <a:avLst>
+              <a:gd name="adj" fmla="val 1308"/>
+            </a:avLst>
+          </a:prstGeom>
+        </p:spPr>
+      </p:pic>
+      <p:pic>
+        <p:nvPicPr>
+          <p:cNvPr id="11" name="Picture 10"/>
+          <p:cNvPicPr>
+            <a:picLocks noChangeAspect="1"/>
+          </p:cNvPicPr>
+          <p:nvPr/>
+        </p:nvPicPr>
+        <p:blipFill>
+          <a:blip r:embed="rId3"/>
+          <a:stretch>
+            <a:fillRect/>
+          </a:stretch>
+        </p:blipFill>
+        <p:spPr>
+          <a:xfrm>
+            <a:off x="5793456" y="3733800"/>
+            <a:ext cx="5772956" cy="2591162"/>
+          </a:xfrm>
+          <a:prstGeom prst="roundRect">
+            <a:avLst>
+              <a:gd name="adj" fmla="val 983"/>
+            </a:avLst>
           </a:prstGeom>
         </p:spPr>
       </p:pic>
     </p:spTree>
     <p:extLst>
       <p:ext uri="{BB962C8B-B14F-4D97-AF65-F5344CB8AC3E}">
-        <p14:creationId xmlns:p14="http://schemas.microsoft.com/office/powerpoint/2010/main" val="3937511622"/>
+        <p14:creationId xmlns:p14="http://schemas.microsoft.com/office/powerpoint/2010/main" val="780157592"/>
       </p:ext>
     </p:extLst>
   </p:cSld>
@@ -7543,6 +10378,13 @@
       <p:transition/>
     </mc:Fallback>
   </mc:AlternateContent>
+  <p:timing>
+    <p:tnLst>
+      <p:par>
+        <p:cTn id="1" dur="indefinite" restart="never" nodeType="tmRoot"/>
+      </p:par>
+    </p:tnLst>
+  </p:timing>
 </p:sld>
 </file>
 
@@ -7604,55 +10446,54 @@
           <a:p>
             <a:r>
               <a:rPr lang="en-US" dirty="0" smtClean="0"/>
-              <a:t>In Oracle we have </a:t>
-            </a:r>
-            <a:r>
-              <a:rPr lang="en-US" dirty="0" smtClean="0">
+              <a:t>Login as user "</a:t>
+            </a:r>
+            <a:r>
+              <a:rPr lang="en-US" b="1" dirty="0" smtClean="0">
                 <a:solidFill>
                   <a:schemeClr val="tx2">
                     <a:lumMod val="75000"/>
                   </a:schemeClr>
                 </a:solidFill>
-              </a:rPr>
-              <a:t>single database </a:t>
-            </a:r>
-            <a:r>
-              <a:rPr lang="en-US" dirty="0" smtClean="0"/>
-              <a:t>with </a:t>
-            </a:r>
-            <a:r>
-              <a:rPr lang="en-US" dirty="0" smtClean="0">
-                <a:solidFill>
-                  <a:schemeClr val="tx2">
-                    <a:lumMod val="75000"/>
-                  </a:schemeClr>
-                </a:solidFill>
-              </a:rPr>
-              <a:t>multiple users</a:t>
-            </a:r>
-          </a:p>
-          <a:p>
-            <a:pPr lvl="1"/>
-            <a:r>
-              <a:rPr lang="en-US" dirty="0" smtClean="0"/>
-              <a:t>Unlike many databases in MS SQL Server and MySQL</a:t>
-            </a:r>
-          </a:p>
-          <a:p>
-            <a:pPr lvl="1"/>
-            <a:r>
-              <a:rPr lang="en-US" dirty="0" smtClean="0"/>
-              <a:t>"User (schema) in Oracle" == "Database" in MSSQL and MySQL</a:t>
-            </a:r>
-          </a:p>
-          <a:p>
-            <a:r>
-              <a:rPr lang="en-US" dirty="0" smtClean="0"/>
-              <a:t>Creating a new user (schema) and give typical privileges:</a:t>
+                <a:latin typeface="Consolas" panose="020B0609020204030204" pitchFamily="49" charset="0"/>
+                <a:cs typeface="Consolas" panose="020B0609020204030204" pitchFamily="49" charset="0"/>
+              </a:rPr>
+              <a:t>HR</a:t>
+            </a:r>
+            <a:r>
+              <a:rPr lang="en-US" dirty="0" smtClean="0"/>
+              <a:t>" in Oracle Application Express (APEX)</a:t>
             </a:r>
           </a:p>
           <a:p>
             <a:endParaRPr lang="en-US" dirty="0"/>
+          </a:p>
+          <a:p>
+            <a:endParaRPr lang="en-US" dirty="0" smtClean="0"/>
+          </a:p>
+          <a:p>
+            <a:endParaRPr lang="en-US" dirty="0"/>
+          </a:p>
+          <a:p>
+            <a:endParaRPr lang="en-US" dirty="0" smtClean="0"/>
+          </a:p>
+          <a:p>
+            <a:r>
+              <a:rPr lang="en-US" dirty="0" smtClean="0"/>
+              <a:t>Manage database objects</a:t>
+            </a:r>
+          </a:p>
+          <a:p>
+            <a:r>
+              <a:rPr lang="en-US" dirty="0" smtClean="0"/>
+              <a:t>Run SQL commands</a:t>
+            </a:r>
+          </a:p>
+          <a:p>
+            <a:r>
+              <a:rPr lang="en-US" dirty="0" smtClean="0"/>
+              <a:t>Build SQL queries</a:t>
+            </a:r>
           </a:p>
         </p:txBody>
       </p:sp>
@@ -7672,289 +10513,93 @@
           <a:lstStyle/>
           <a:p>
             <a:r>
-              <a:rPr lang="en-US" dirty="0" smtClean="0"/>
-              <a:t>Creating a New User</a:t>
+              <a:rPr lang="en-US" dirty="0"/>
+              <a:t>Oracle Application Express (APEX</a:t>
+            </a:r>
+            <a:r>
+              <a:rPr lang="en-US" dirty="0" smtClean="0"/>
+              <a:t>) – SQL</a:t>
             </a:r>
             <a:endParaRPr lang="en-US" dirty="0"/>
           </a:p>
         </p:txBody>
       </p:sp>
-      <p:sp>
-        <p:nvSpPr>
-          <p:cNvPr id="5" name="Rectangle 4"/>
-          <p:cNvSpPr>
-            <a:spLocks noChangeArrowheads="1"/>
-          </p:cNvSpPr>
+      <p:pic>
+        <p:nvPicPr>
+          <p:cNvPr id="5" name="Picture 4"/>
+          <p:cNvPicPr>
+            <a:picLocks noChangeAspect="1"/>
+          </p:cNvPicPr>
           <p:nvPr/>
-        </p:nvSpPr>
-        <p:spPr bwMode="auto">
+        </p:nvPicPr>
+        <p:blipFill>
+          <a:blip r:embed="rId2"/>
+          <a:stretch>
+            <a:fillRect/>
+          </a:stretch>
+        </p:blipFill>
+        <p:spPr>
           <a:xfrm>
-            <a:off x="622411" y="4038600"/>
-            <a:ext cx="10944002" cy="2308324"/>
+            <a:off x="684212" y="1980870"/>
+            <a:ext cx="5544324" cy="2362530"/>
           </a:xfrm>
-          <a:prstGeom prst="rect">
-            <a:avLst/>
+          <a:prstGeom prst="roundRect">
+            <a:avLst>
+              <a:gd name="adj" fmla="val 1308"/>
+            </a:avLst>
           </a:prstGeom>
-          <a:solidFill>
-            <a:schemeClr val="accent5">
-              <a:lumMod val="40000"/>
-              <a:lumOff val="60000"/>
-              <a:alpha val="25000"/>
-            </a:schemeClr>
-          </a:solidFill>
-          <a:ln w="12700">
-            <a:solidFill>
-              <a:schemeClr val="accent5">
-                <a:lumMod val="60000"/>
-                <a:lumOff val="40000"/>
-              </a:schemeClr>
-            </a:solidFill>
-          </a:ln>
         </p:spPr>
-        <p:txBody>
-          <a:bodyPr wrap="square">
-            <a:spAutoFit/>
-          </a:bodyPr>
-          <a:lstStyle/>
-          <a:p>
-            <a:pPr eaLnBrk="0" hangingPunct="0">
-              <a:buClr>
-                <a:schemeClr val="accent5">
-                  <a:lumMod val="40000"/>
-                  <a:lumOff val="60000"/>
-                </a:schemeClr>
-              </a:buClr>
-              <a:buSzPct val="70000"/>
-            </a:pPr>
-            <a:r>
-              <a:rPr lang="en-US" b="1" spc="-30" noProof="1">
-                <a:solidFill>
-                  <a:schemeClr val="tx2"/>
-                </a:solidFill>
-                <a:effectLst>
-                  <a:outerShdw blurRad="38100" dist="38100" dir="2700000" algn="tl">
-                    <a:srgbClr val="000000">
-                      <a:alpha val="43137"/>
-                    </a:srgbClr>
-                  </a:outerShdw>
-                </a:effectLst>
-                <a:latin typeface="Consolas" pitchFamily="49" charset="0"/>
-                <a:cs typeface="Consolas" pitchFamily="49" charset="0"/>
-              </a:rPr>
-              <a:t>CREATE </a:t>
-            </a:r>
-            <a:r>
-              <a:rPr lang="en-US" b="1" spc="-30" noProof="1">
-                <a:solidFill>
-                  <a:schemeClr val="tx2"/>
-                </a:solidFill>
-                <a:effectLst>
-                  <a:outerShdw blurRad="38100" dist="38100" dir="2700000" algn="tl">
-                    <a:srgbClr val="000000">
-                      <a:alpha val="43137"/>
-                    </a:srgbClr>
-                  </a:outerShdw>
-                </a:effectLst>
-                <a:latin typeface="Consolas" pitchFamily="49" charset="0"/>
-                <a:cs typeface="Consolas" pitchFamily="49" charset="0"/>
-              </a:rPr>
-              <a:t>USER </a:t>
-            </a:r>
-            <a:r>
-              <a:rPr lang="en-US" b="1" spc="-30" noProof="1" smtClean="0">
-                <a:solidFill>
-                  <a:schemeClr val="tx2"/>
-                </a:solidFill>
-                <a:effectLst>
-                  <a:outerShdw blurRad="38100" dist="38100" dir="2700000" algn="tl">
-                    <a:srgbClr val="000000">
-                      <a:alpha val="43137"/>
-                    </a:srgbClr>
-                  </a:outerShdw>
-                </a:effectLst>
-                <a:latin typeface="Consolas" pitchFamily="49" charset="0"/>
-                <a:cs typeface="Consolas" pitchFamily="49" charset="0"/>
-              </a:rPr>
-              <a:t>maria </a:t>
-            </a:r>
-            <a:r>
-              <a:rPr lang="en-US" b="1" spc="-30" noProof="1">
-                <a:solidFill>
-                  <a:schemeClr val="tx2"/>
-                </a:solidFill>
-                <a:effectLst>
-                  <a:outerShdw blurRad="38100" dist="38100" dir="2700000" algn="tl">
-                    <a:srgbClr val="000000">
-                      <a:alpha val="43137"/>
-                    </a:srgbClr>
-                  </a:outerShdw>
-                </a:effectLst>
-                <a:latin typeface="Consolas" pitchFamily="49" charset="0"/>
-                <a:cs typeface="Consolas" pitchFamily="49" charset="0"/>
-              </a:rPr>
-              <a:t>IDENTIFIED BY "</a:t>
-            </a:r>
-            <a:r>
-              <a:rPr lang="en-US" b="1" spc="-30" noProof="1">
-                <a:solidFill>
-                  <a:schemeClr val="tx2"/>
-                </a:solidFill>
-                <a:effectLst>
-                  <a:outerShdw blurRad="38100" dist="38100" dir="2700000" algn="tl">
-                    <a:srgbClr val="000000">
-                      <a:alpha val="43137"/>
-                    </a:srgbClr>
-                  </a:outerShdw>
-                </a:effectLst>
-                <a:latin typeface="Consolas" pitchFamily="49" charset="0"/>
-                <a:cs typeface="Consolas" pitchFamily="49" charset="0"/>
-              </a:rPr>
-              <a:t>p@ssw0rd123</a:t>
-            </a:r>
-            <a:r>
-              <a:rPr lang="en-US" b="1" spc="-30" noProof="1" smtClean="0">
-                <a:solidFill>
-                  <a:schemeClr val="tx2"/>
-                </a:solidFill>
-                <a:effectLst>
-                  <a:outerShdw blurRad="38100" dist="38100" dir="2700000" algn="tl">
-                    <a:srgbClr val="000000">
-                      <a:alpha val="43137"/>
-                    </a:srgbClr>
-                  </a:outerShdw>
-                </a:effectLst>
-                <a:latin typeface="Consolas" pitchFamily="49" charset="0"/>
-                <a:cs typeface="Consolas" pitchFamily="49" charset="0"/>
-              </a:rPr>
-              <a:t>";</a:t>
-            </a:r>
-          </a:p>
-          <a:p>
-            <a:pPr eaLnBrk="0" hangingPunct="0">
-              <a:buClr>
-                <a:schemeClr val="accent5">
-                  <a:lumMod val="40000"/>
-                  <a:lumOff val="60000"/>
-                </a:schemeClr>
-              </a:buClr>
-              <a:buSzPct val="70000"/>
-            </a:pPr>
-            <a:endParaRPr lang="en-US" b="1" spc="-30" noProof="1">
-              <a:solidFill>
-                <a:schemeClr val="tx2"/>
-              </a:solidFill>
-              <a:effectLst>
-                <a:outerShdw blurRad="38100" dist="38100" dir="2700000" algn="tl">
-                  <a:srgbClr val="000000">
-                    <a:alpha val="43137"/>
-                  </a:srgbClr>
-                </a:outerShdw>
-              </a:effectLst>
-              <a:latin typeface="Consolas" pitchFamily="49" charset="0"/>
-              <a:cs typeface="Consolas" pitchFamily="49" charset="0"/>
-            </a:endParaRPr>
-          </a:p>
-          <a:p>
-            <a:pPr eaLnBrk="0" hangingPunct="0">
-              <a:buClr>
-                <a:schemeClr val="accent5">
-                  <a:lumMod val="40000"/>
-                  <a:lumOff val="60000"/>
-                </a:schemeClr>
-              </a:buClr>
-              <a:buSzPct val="70000"/>
-            </a:pPr>
-            <a:r>
-              <a:rPr lang="en-US" b="1" spc="-30" noProof="1" smtClean="0">
-                <a:solidFill>
-                  <a:schemeClr val="tx2"/>
-                </a:solidFill>
-                <a:effectLst>
-                  <a:outerShdw blurRad="38100" dist="38100" dir="2700000" algn="tl">
-                    <a:srgbClr val="000000">
-                      <a:alpha val="43137"/>
-                    </a:srgbClr>
-                  </a:outerShdw>
-                </a:effectLst>
-                <a:latin typeface="Consolas" pitchFamily="49" charset="0"/>
-                <a:cs typeface="Consolas" pitchFamily="49" charset="0"/>
-              </a:rPr>
-              <a:t>GRANT CREATE SESSION, CREATE TABLE, CREATE VIEW, CREATE PROCEDURE TO maria;</a:t>
-            </a:r>
-          </a:p>
-          <a:p>
-            <a:pPr eaLnBrk="0" hangingPunct="0">
-              <a:buClr>
-                <a:schemeClr val="accent5">
-                  <a:lumMod val="40000"/>
-                  <a:lumOff val="60000"/>
-                </a:schemeClr>
-              </a:buClr>
-              <a:buSzPct val="70000"/>
-            </a:pPr>
-            <a:endParaRPr lang="en-US" b="1" spc="-30" noProof="1">
-              <a:solidFill>
-                <a:schemeClr val="tx2"/>
-              </a:solidFill>
-              <a:effectLst>
-                <a:outerShdw blurRad="38100" dist="38100" dir="2700000" algn="tl">
-                  <a:srgbClr val="000000">
-                    <a:alpha val="43137"/>
-                  </a:srgbClr>
-                </a:outerShdw>
-              </a:effectLst>
-              <a:latin typeface="Consolas" pitchFamily="49" charset="0"/>
-              <a:cs typeface="Consolas" pitchFamily="49" charset="0"/>
-            </a:endParaRPr>
-          </a:p>
-          <a:p>
-            <a:pPr eaLnBrk="0" hangingPunct="0">
-              <a:buClr>
-                <a:schemeClr val="accent5">
-                  <a:lumMod val="40000"/>
-                  <a:lumOff val="60000"/>
-                </a:schemeClr>
-              </a:buClr>
-              <a:buSzPct val="70000"/>
-            </a:pPr>
-            <a:r>
-              <a:rPr lang="en-US" b="1" spc="-30" noProof="1">
-                <a:solidFill>
-                  <a:schemeClr val="tx2"/>
-                </a:solidFill>
-                <a:effectLst>
-                  <a:outerShdw blurRad="38100" dist="38100" dir="2700000" algn="tl">
-                    <a:srgbClr val="000000">
-                      <a:alpha val="43137"/>
-                    </a:srgbClr>
-                  </a:outerShdw>
-                </a:effectLst>
-                <a:latin typeface="Consolas" pitchFamily="49" charset="0"/>
-                <a:cs typeface="Consolas" pitchFamily="49" charset="0"/>
-              </a:rPr>
-              <a:t>GRANT UNLIMITED TABLESPACE TO maria;</a:t>
-            </a:r>
-          </a:p>
-        </p:txBody>
-      </p:sp>
+      </p:pic>
+      <p:pic>
+        <p:nvPicPr>
+          <p:cNvPr id="6" name="Picture 5"/>
+          <p:cNvPicPr>
+            <a:picLocks noChangeAspect="1"/>
+          </p:cNvPicPr>
+          <p:nvPr/>
+        </p:nvPicPr>
+        <p:blipFill rotWithShape="1">
+          <a:blip r:embed="rId3"/>
+          <a:srcRect b="16262"/>
+          <a:stretch/>
+        </p:blipFill>
+        <p:spPr>
+          <a:xfrm>
+            <a:off x="5942012" y="2299025"/>
+            <a:ext cx="5582429" cy="4036464"/>
+          </a:xfrm>
+          <a:prstGeom prst="roundRect">
+            <a:avLst>
+              <a:gd name="adj" fmla="val 1308"/>
+            </a:avLst>
+          </a:prstGeom>
+        </p:spPr>
+      </p:pic>
     </p:spTree>
     <p:extLst>
       <p:ext uri="{BB962C8B-B14F-4D97-AF65-F5344CB8AC3E}">
-        <p14:creationId xmlns:p14="http://schemas.microsoft.com/office/powerpoint/2010/main" val="4076392978"/>
+        <p14:creationId xmlns:p14="http://schemas.microsoft.com/office/powerpoint/2010/main" val="711011726"/>
       </p:ext>
     </p:extLst>
   </p:cSld>
   <p:clrMapOvr>
     <a:masterClrMapping/>
   </p:clrMapOvr>
-  <mc:AlternateContent xmlns:mc="http://schemas.openxmlformats.org/markup-compatibility/2006">
-    <mc:Choice xmlns:p14="http://schemas.microsoft.com/office/powerpoint/2010/main" Requires="p14">
+  <mc:AlternateContent xmlns:mc="http://schemas.openxmlformats.org/markup-compatibility/2006" xmlns:p14="http://schemas.microsoft.com/office/powerpoint/2010/main">
+    <mc:Choice Requires="p14">
       <p:transition p14:dur="0"/>
     </mc:Choice>
-    <mc:Fallback>
+    <mc:Fallback xmlns="">
       <p:transition/>
     </mc:Fallback>
   </mc:AlternateContent>
+  <p:timing>
+    <p:tnLst>
+      <p:par>
+        <p:cTn id="1" dur="indefinite" restart="never" nodeType="tmRoot"/>
+      </p:par>
+    </p:tnLst>
+  </p:timing>
 </p:sld>
 </file>
 
@@ -8001,6 +10646,45 @@
       </p:sp>
       <p:sp>
         <p:nvSpPr>
+          <p:cNvPr id="3" name="Content Placeholder 2"/>
+          <p:cNvSpPr>
+            <a:spLocks noGrp="1"/>
+          </p:cNvSpPr>
+          <p:nvPr>
+            <p:ph idx="1"/>
+          </p:nvPr>
+        </p:nvSpPr>
+        <p:spPr/>
+        <p:txBody>
+          <a:bodyPr>
+            <a:normAutofit/>
+          </a:bodyPr>
+          <a:lstStyle/>
+          <a:p>
+            <a:r>
+              <a:rPr lang="en-US" sz="3200" dirty="0" smtClean="0">
+                <a:solidFill>
+                  <a:schemeClr val="tx2">
+                    <a:lumMod val="75000"/>
+                  </a:schemeClr>
+                </a:solidFill>
+              </a:rPr>
+              <a:t>Oracle SQL Developer </a:t>
+            </a:r>
+            <a:r>
+              <a:rPr lang="en-US" sz="3200" dirty="0" smtClean="0"/>
+              <a:t>is database GUI client tool for managing Oracle </a:t>
+            </a:r>
+            <a:r>
+              <a:rPr lang="en-US" sz="3200" dirty="0" smtClean="0"/>
+              <a:t>databases: SQL queries, manage DB schema, code, debug, …</a:t>
+            </a:r>
+            <a:endParaRPr lang="en-US" dirty="0"/>
+          </a:p>
+        </p:txBody>
+      </p:sp>
+      <p:sp>
+        <p:nvSpPr>
           <p:cNvPr id="4" name="Title 3"/>
           <p:cNvSpPr>
             <a:spLocks noGrp="1"/>
@@ -8016,7 +10700,7 @@
           <a:p>
             <a:r>
               <a:rPr lang="en-US" dirty="0" smtClean="0"/>
-              <a:t>Creating a New User in SQL Developer</a:t>
+              <a:t>Oracle SQL Developer</a:t>
             </a:r>
             <a:endParaRPr lang="en-US" dirty="0"/>
           </a:p>
@@ -8024,7 +10708,7 @@
       </p:sp>
       <p:pic>
         <p:nvPicPr>
-          <p:cNvPr id="7" name="Picture 6"/>
+          <p:cNvPr id="5" name="Picture 4"/>
           <p:cNvPicPr>
             <a:picLocks noChangeAspect="1"/>
           </p:cNvPicPr>
@@ -8038,56 +10722,8 @@
         </p:blipFill>
         <p:spPr>
           <a:xfrm>
-            <a:off x="760412" y="1600200"/>
-            <a:ext cx="5734050" cy="4686300"/>
-          </a:xfrm>
-          <a:prstGeom prst="rect">
-            <a:avLst/>
-          </a:prstGeom>
-        </p:spPr>
-      </p:pic>
-      <p:pic>
-        <p:nvPicPr>
-          <p:cNvPr id="8" name="Picture 7"/>
-          <p:cNvPicPr>
-            <a:picLocks noChangeAspect="1"/>
-          </p:cNvPicPr>
-          <p:nvPr/>
-        </p:nvPicPr>
-        <p:blipFill>
-          <a:blip r:embed="rId3"/>
-          <a:stretch>
-            <a:fillRect/>
-          </a:stretch>
-        </p:blipFill>
-        <p:spPr>
-          <a:xfrm>
-            <a:off x="4094162" y="1141182"/>
-            <a:ext cx="5734050" cy="4686300"/>
-          </a:xfrm>
-          <a:prstGeom prst="rect">
-            <a:avLst/>
-          </a:prstGeom>
-        </p:spPr>
-      </p:pic>
-      <p:pic>
-        <p:nvPicPr>
-          <p:cNvPr id="9" name="Picture 8"/>
-          <p:cNvPicPr>
-            <a:picLocks noChangeAspect="1"/>
-          </p:cNvPicPr>
-          <p:nvPr/>
-        </p:nvPicPr>
-        <p:blipFill>
-          <a:blip r:embed="rId4"/>
-          <a:stretch>
-            <a:fillRect/>
-          </a:stretch>
-        </p:blipFill>
-        <p:spPr>
-          <a:xfrm>
-            <a:off x="7313612" y="2861297"/>
-            <a:ext cx="4191000" cy="3425203"/>
+            <a:off x="2418978" y="2525781"/>
+            <a:ext cx="7353300" cy="3914775"/>
           </a:xfrm>
           <a:prstGeom prst="rect">
             <a:avLst/>
@@ -8097,7 +10733,7 @@
     </p:spTree>
     <p:extLst>
       <p:ext uri="{BB962C8B-B14F-4D97-AF65-F5344CB8AC3E}">
-        <p14:creationId xmlns:p14="http://schemas.microsoft.com/office/powerpoint/2010/main" val="746627684"/>
+        <p14:creationId xmlns:p14="http://schemas.microsoft.com/office/powerpoint/2010/main" val="3937511622"/>
       </p:ext>
     </p:extLst>
   </p:cSld>
